--- a/materials/slides/ch14-wcms-admin-and-user.pptx
+++ b/materials/slides/ch14-wcms-admin-and-user.pptx
@@ -5,23 +5,19 @@
     <p:sldMasterId id="2147483648" r:id="rId1"/>
   </p:sldMasterIdLst>
   <p:notesMasterIdLst>
-    <p:notesMasterId r:id="rId13"/>
+    <p:notesMasterId r:id="rId9"/>
   </p:notesMasterIdLst>
   <p:handoutMasterIdLst>
-    <p:handoutMasterId r:id="rId14"/>
+    <p:handoutMasterId r:id="rId10"/>
   </p:handoutMasterIdLst>
   <p:sldIdLst>
     <p:sldId id="257" r:id="rId2"/>
     <p:sldId id="292" r:id="rId3"/>
     <p:sldId id="293" r:id="rId4"/>
-    <p:sldId id="294" r:id="rId5"/>
-    <p:sldId id="288" r:id="rId6"/>
-    <p:sldId id="304" r:id="rId7"/>
-    <p:sldId id="295" r:id="rId8"/>
-    <p:sldId id="299" r:id="rId9"/>
-    <p:sldId id="303" r:id="rId10"/>
-    <p:sldId id="302" r:id="rId11"/>
-    <p:sldId id="300" r:id="rId12"/>
+    <p:sldId id="288" r:id="rId5"/>
+    <p:sldId id="300" r:id="rId6"/>
+    <p:sldId id="299" r:id="rId7"/>
+    <p:sldId id="294" r:id="rId8"/>
   </p:sldIdLst>
   <p:sldSz cx="12192000" cy="6858000"/>
   <p:notesSz cx="6858000" cy="9144000"/>
@@ -225,7 +221,7 @@
           <a:p>
             <a:fld id="{E923E828-953C-4D4A-9B10-11E7329F433D}" type="datetimeFigureOut">
               <a:rPr lang="zh-CN" altLang="en-US" smtClean="0"/>
-              <a:t>2018/3/1</a:t>
+              <a:t>2018/4/26</a:t>
             </a:fld>
             <a:endParaRPr lang="zh-CN" altLang="en-US"/>
           </a:p>
@@ -406,7 +402,7 @@
           <a:p>
             <a:fld id="{867C5346-22E5-4085-8130-851344A84DFF}" type="datetimeFigureOut">
               <a:rPr lang="zh-CN" altLang="en-US" smtClean="0"/>
-              <a:t>2018/3/1</a:t>
+              <a:t>2018/4/26</a:t>
             </a:fld>
             <a:endParaRPr lang="zh-CN" altLang="en-US"/>
           </a:p>
@@ -758,90 +754,6 @@
 </p:notes>
 </file>
 
-<file path=ppt/notesSlides/notesSlide10.xml><?xml version="1.0" encoding="utf-8"?>
-<p:notes xmlns:a="http://schemas.openxmlformats.org/drawingml/2006/main" xmlns:r="http://schemas.openxmlformats.org/officeDocument/2006/relationships" xmlns:p="http://schemas.openxmlformats.org/presentationml/2006/main">
-  <p:cSld>
-    <p:spTree>
-      <p:nvGrpSpPr>
-        <p:cNvPr id="1" name=""/>
-        <p:cNvGrpSpPr/>
-        <p:nvPr/>
-      </p:nvGrpSpPr>
-      <p:grpSpPr>
-        <a:xfrm>
-          <a:off x="0" y="0"/>
-          <a:ext cx="0" cy="0"/>
-          <a:chOff x="0" y="0"/>
-          <a:chExt cx="0" cy="0"/>
-        </a:xfrm>
-      </p:grpSpPr>
-      <p:sp>
-        <p:nvSpPr>
-          <p:cNvPr id="2" name="幻灯片图像占位符 1"/>
-          <p:cNvSpPr>
-            <a:spLocks noGrp="1" noRot="1" noChangeAspect="1"/>
-          </p:cNvSpPr>
-          <p:nvPr>
-            <p:ph type="sldImg"/>
-          </p:nvPr>
-        </p:nvSpPr>
-        <p:spPr/>
-      </p:sp>
-      <p:sp>
-        <p:nvSpPr>
-          <p:cNvPr id="3" name="备注占位符 2"/>
-          <p:cNvSpPr>
-            <a:spLocks noGrp="1"/>
-          </p:cNvSpPr>
-          <p:nvPr>
-            <p:ph type="body" idx="1"/>
-          </p:nvPr>
-        </p:nvSpPr>
-        <p:spPr/>
-        <p:txBody>
-          <a:bodyPr/>
-          <a:lstStyle/>
-          <a:p>
-            <a:endParaRPr lang="zh-CN" altLang="en-US" dirty="0"/>
-          </a:p>
-        </p:txBody>
-      </p:sp>
-      <p:sp>
-        <p:nvSpPr>
-          <p:cNvPr id="4" name="灯片编号占位符 3"/>
-          <p:cNvSpPr>
-            <a:spLocks noGrp="1"/>
-          </p:cNvSpPr>
-          <p:nvPr>
-            <p:ph type="sldNum" sz="quarter" idx="10"/>
-          </p:nvPr>
-        </p:nvSpPr>
-        <p:spPr/>
-        <p:txBody>
-          <a:bodyPr/>
-          <a:lstStyle/>
-          <a:p>
-            <a:fld id="{9FB975F3-1C40-4D40-A7FE-36EEB7CAFC85}" type="slidenum">
-              <a:rPr lang="zh-CN" altLang="en-US" smtClean="0"/>
-              <a:t>11</a:t>
-            </a:fld>
-            <a:endParaRPr lang="zh-CN" altLang="en-US"/>
-          </a:p>
-        </p:txBody>
-      </p:sp>
-    </p:spTree>
-    <p:extLst>
-      <p:ext uri="{BB962C8B-B14F-4D97-AF65-F5344CB8AC3E}">
-        <p14:creationId xmlns:p14="http://schemas.microsoft.com/office/powerpoint/2010/main" val="1840762838"/>
-      </p:ext>
-    </p:extLst>
-  </p:cSld>
-  <p:clrMapOvr>
-    <a:masterClrMapping/>
-  </p:clrMapOvr>
-</p:notes>
-</file>
-
 <file path=ppt/notesSlides/notesSlide2.xml><?xml version="1.0" encoding="utf-8"?>
 <p:notes xmlns:a="http://schemas.openxmlformats.org/drawingml/2006/main" xmlns:r="http://schemas.openxmlformats.org/officeDocument/2006/relationships" xmlns:p="http://schemas.openxmlformats.org/presentationml/2006/main">
   <p:cSld>
@@ -1000,7 +912,7 @@
     </p:spTree>
     <p:extLst>
       <p:ext uri="{BB962C8B-B14F-4D97-AF65-F5344CB8AC3E}">
-        <p14:creationId xmlns:p14="http://schemas.microsoft.com/office/powerpoint/2010/main" val="3820153201"/>
+        <p14:creationId xmlns:p14="http://schemas.microsoft.com/office/powerpoint/2010/main" val="251414515"/>
       </p:ext>
     </p:extLst>
   </p:cSld>
@@ -1084,7 +996,7 @@
     </p:spTree>
     <p:extLst>
       <p:ext uri="{BB962C8B-B14F-4D97-AF65-F5344CB8AC3E}">
-        <p14:creationId xmlns:p14="http://schemas.microsoft.com/office/powerpoint/2010/main" val="251414515"/>
+        <p14:creationId xmlns:p14="http://schemas.microsoft.com/office/powerpoint/2010/main" val="1961075558"/>
       </p:ext>
     </p:extLst>
   </p:cSld>
@@ -1168,7 +1080,7 @@
     </p:spTree>
     <p:extLst>
       <p:ext uri="{BB962C8B-B14F-4D97-AF65-F5344CB8AC3E}">
-        <p14:creationId xmlns:p14="http://schemas.microsoft.com/office/powerpoint/2010/main" val="3903666147"/>
+        <p14:creationId xmlns:p14="http://schemas.microsoft.com/office/powerpoint/2010/main" val="467974563"/>
       </p:ext>
     </p:extLst>
   </p:cSld>
@@ -1252,259 +1164,7 @@
     </p:spTree>
     <p:extLst>
       <p:ext uri="{BB962C8B-B14F-4D97-AF65-F5344CB8AC3E}">
-        <p14:creationId xmlns:p14="http://schemas.microsoft.com/office/powerpoint/2010/main" val="1476944173"/>
-      </p:ext>
-    </p:extLst>
-  </p:cSld>
-  <p:clrMapOvr>
-    <a:masterClrMapping/>
-  </p:clrMapOvr>
-</p:notes>
-</file>
-
-<file path=ppt/notesSlides/notesSlide7.xml><?xml version="1.0" encoding="utf-8"?>
-<p:notes xmlns:a="http://schemas.openxmlformats.org/drawingml/2006/main" xmlns:r="http://schemas.openxmlformats.org/officeDocument/2006/relationships" xmlns:p="http://schemas.openxmlformats.org/presentationml/2006/main">
-  <p:cSld>
-    <p:spTree>
-      <p:nvGrpSpPr>
-        <p:cNvPr id="1" name=""/>
-        <p:cNvGrpSpPr/>
-        <p:nvPr/>
-      </p:nvGrpSpPr>
-      <p:grpSpPr>
-        <a:xfrm>
-          <a:off x="0" y="0"/>
-          <a:ext cx="0" cy="0"/>
-          <a:chOff x="0" y="0"/>
-          <a:chExt cx="0" cy="0"/>
-        </a:xfrm>
-      </p:grpSpPr>
-      <p:sp>
-        <p:nvSpPr>
-          <p:cNvPr id="2" name="幻灯片图像占位符 1"/>
-          <p:cNvSpPr>
-            <a:spLocks noGrp="1" noRot="1" noChangeAspect="1"/>
-          </p:cNvSpPr>
-          <p:nvPr>
-            <p:ph type="sldImg"/>
-          </p:nvPr>
-        </p:nvSpPr>
-        <p:spPr/>
-      </p:sp>
-      <p:sp>
-        <p:nvSpPr>
-          <p:cNvPr id="3" name="备注占位符 2"/>
-          <p:cNvSpPr>
-            <a:spLocks noGrp="1"/>
-          </p:cNvSpPr>
-          <p:nvPr>
-            <p:ph type="body" idx="1"/>
-          </p:nvPr>
-        </p:nvSpPr>
-        <p:spPr/>
-        <p:txBody>
-          <a:bodyPr/>
-          <a:lstStyle/>
-          <a:p>
-            <a:endParaRPr lang="zh-CN" altLang="en-US" dirty="0"/>
-          </a:p>
-        </p:txBody>
-      </p:sp>
-      <p:sp>
-        <p:nvSpPr>
-          <p:cNvPr id="4" name="灯片编号占位符 3"/>
-          <p:cNvSpPr>
-            <a:spLocks noGrp="1"/>
-          </p:cNvSpPr>
-          <p:nvPr>
-            <p:ph type="sldNum" sz="quarter" idx="10"/>
-          </p:nvPr>
-        </p:nvSpPr>
-        <p:spPr/>
-        <p:txBody>
-          <a:bodyPr/>
-          <a:lstStyle/>
-          <a:p>
-            <a:fld id="{9FB975F3-1C40-4D40-A7FE-36EEB7CAFC85}" type="slidenum">
-              <a:rPr lang="zh-CN" altLang="en-US" smtClean="0"/>
-              <a:t>8</a:t>
-            </a:fld>
-            <a:endParaRPr lang="zh-CN" altLang="en-US"/>
-          </a:p>
-        </p:txBody>
-      </p:sp>
-    </p:spTree>
-    <p:extLst>
-      <p:ext uri="{BB962C8B-B14F-4D97-AF65-F5344CB8AC3E}">
-        <p14:creationId xmlns:p14="http://schemas.microsoft.com/office/powerpoint/2010/main" val="467974563"/>
-      </p:ext>
-    </p:extLst>
-  </p:cSld>
-  <p:clrMapOvr>
-    <a:masterClrMapping/>
-  </p:clrMapOvr>
-</p:notes>
-</file>
-
-<file path=ppt/notesSlides/notesSlide8.xml><?xml version="1.0" encoding="utf-8"?>
-<p:notes xmlns:a="http://schemas.openxmlformats.org/drawingml/2006/main" xmlns:r="http://schemas.openxmlformats.org/officeDocument/2006/relationships" xmlns:p="http://schemas.openxmlformats.org/presentationml/2006/main">
-  <p:cSld>
-    <p:spTree>
-      <p:nvGrpSpPr>
-        <p:cNvPr id="1" name=""/>
-        <p:cNvGrpSpPr/>
-        <p:nvPr/>
-      </p:nvGrpSpPr>
-      <p:grpSpPr>
-        <a:xfrm>
-          <a:off x="0" y="0"/>
-          <a:ext cx="0" cy="0"/>
-          <a:chOff x="0" y="0"/>
-          <a:chExt cx="0" cy="0"/>
-        </a:xfrm>
-      </p:grpSpPr>
-      <p:sp>
-        <p:nvSpPr>
-          <p:cNvPr id="2" name="幻灯片图像占位符 1"/>
-          <p:cNvSpPr>
-            <a:spLocks noGrp="1" noRot="1" noChangeAspect="1"/>
-          </p:cNvSpPr>
-          <p:nvPr>
-            <p:ph type="sldImg"/>
-          </p:nvPr>
-        </p:nvSpPr>
-        <p:spPr/>
-      </p:sp>
-      <p:sp>
-        <p:nvSpPr>
-          <p:cNvPr id="3" name="备注占位符 2"/>
-          <p:cNvSpPr>
-            <a:spLocks noGrp="1"/>
-          </p:cNvSpPr>
-          <p:nvPr>
-            <p:ph type="body" idx="1"/>
-          </p:nvPr>
-        </p:nvSpPr>
-        <p:spPr/>
-        <p:txBody>
-          <a:bodyPr/>
-          <a:lstStyle/>
-          <a:p>
-            <a:endParaRPr lang="zh-CN" altLang="en-US" dirty="0"/>
-          </a:p>
-        </p:txBody>
-      </p:sp>
-      <p:sp>
-        <p:nvSpPr>
-          <p:cNvPr id="4" name="灯片编号占位符 3"/>
-          <p:cNvSpPr>
-            <a:spLocks noGrp="1"/>
-          </p:cNvSpPr>
-          <p:nvPr>
-            <p:ph type="sldNum" sz="quarter" idx="10"/>
-          </p:nvPr>
-        </p:nvSpPr>
-        <p:spPr/>
-        <p:txBody>
-          <a:bodyPr/>
-          <a:lstStyle/>
-          <a:p>
-            <a:fld id="{9FB975F3-1C40-4D40-A7FE-36EEB7CAFC85}" type="slidenum">
-              <a:rPr lang="zh-CN" altLang="en-US" smtClean="0"/>
-              <a:t>9</a:t>
-            </a:fld>
-            <a:endParaRPr lang="zh-CN" altLang="en-US"/>
-          </a:p>
-        </p:txBody>
-      </p:sp>
-    </p:spTree>
-    <p:extLst>
-      <p:ext uri="{BB962C8B-B14F-4D97-AF65-F5344CB8AC3E}">
-        <p14:creationId xmlns:p14="http://schemas.microsoft.com/office/powerpoint/2010/main" val="2445932393"/>
-      </p:ext>
-    </p:extLst>
-  </p:cSld>
-  <p:clrMapOvr>
-    <a:masterClrMapping/>
-  </p:clrMapOvr>
-</p:notes>
-</file>
-
-<file path=ppt/notesSlides/notesSlide9.xml><?xml version="1.0" encoding="utf-8"?>
-<p:notes xmlns:a="http://schemas.openxmlformats.org/drawingml/2006/main" xmlns:r="http://schemas.openxmlformats.org/officeDocument/2006/relationships" xmlns:p="http://schemas.openxmlformats.org/presentationml/2006/main">
-  <p:cSld>
-    <p:spTree>
-      <p:nvGrpSpPr>
-        <p:cNvPr id="1" name=""/>
-        <p:cNvGrpSpPr/>
-        <p:nvPr/>
-      </p:nvGrpSpPr>
-      <p:grpSpPr>
-        <a:xfrm>
-          <a:off x="0" y="0"/>
-          <a:ext cx="0" cy="0"/>
-          <a:chOff x="0" y="0"/>
-          <a:chExt cx="0" cy="0"/>
-        </a:xfrm>
-      </p:grpSpPr>
-      <p:sp>
-        <p:nvSpPr>
-          <p:cNvPr id="2" name="幻灯片图像占位符 1"/>
-          <p:cNvSpPr>
-            <a:spLocks noGrp="1" noRot="1" noChangeAspect="1"/>
-          </p:cNvSpPr>
-          <p:nvPr>
-            <p:ph type="sldImg"/>
-          </p:nvPr>
-        </p:nvSpPr>
-        <p:spPr/>
-      </p:sp>
-      <p:sp>
-        <p:nvSpPr>
-          <p:cNvPr id="3" name="备注占位符 2"/>
-          <p:cNvSpPr>
-            <a:spLocks noGrp="1"/>
-          </p:cNvSpPr>
-          <p:nvPr>
-            <p:ph type="body" idx="1"/>
-          </p:nvPr>
-        </p:nvSpPr>
-        <p:spPr/>
-        <p:txBody>
-          <a:bodyPr/>
-          <a:lstStyle/>
-          <a:p>
-            <a:endParaRPr lang="zh-CN" altLang="en-US" dirty="0"/>
-          </a:p>
-        </p:txBody>
-      </p:sp>
-      <p:sp>
-        <p:nvSpPr>
-          <p:cNvPr id="4" name="灯片编号占位符 3"/>
-          <p:cNvSpPr>
-            <a:spLocks noGrp="1"/>
-          </p:cNvSpPr>
-          <p:nvPr>
-            <p:ph type="sldNum" sz="quarter" idx="10"/>
-          </p:nvPr>
-        </p:nvSpPr>
-        <p:spPr/>
-        <p:txBody>
-          <a:bodyPr/>
-          <a:lstStyle/>
-          <a:p>
-            <a:fld id="{9FB975F3-1C40-4D40-A7FE-36EEB7CAFC85}" type="slidenum">
-              <a:rPr lang="zh-CN" altLang="en-US" smtClean="0"/>
-              <a:t>10</a:t>
-            </a:fld>
-            <a:endParaRPr lang="zh-CN" altLang="en-US"/>
-          </a:p>
-        </p:txBody>
-      </p:sp>
-    </p:spTree>
-    <p:extLst>
-      <p:ext uri="{BB962C8B-B14F-4D97-AF65-F5344CB8AC3E}">
-        <p14:creationId xmlns:p14="http://schemas.microsoft.com/office/powerpoint/2010/main" val="1254337709"/>
+        <p14:creationId xmlns:p14="http://schemas.microsoft.com/office/powerpoint/2010/main" val="3820153201"/>
       </p:ext>
     </p:extLst>
   </p:cSld>
@@ -1672,7 +1332,7 @@
           <a:p>
             <a:fld id="{A5E21016-498F-4141-B0CA-D95A38CA7D62}" type="datetimeFigureOut">
               <a:rPr lang="zh-CN" altLang="en-US" smtClean="0"/>
-              <a:t>2018/3/1</a:t>
+              <a:t>2018/4/26</a:t>
             </a:fld>
             <a:endParaRPr lang="zh-CN" altLang="en-US"/>
           </a:p>
@@ -1902,7 +1562,7 @@
           <a:p>
             <a:fld id="{A5E21016-498F-4141-B0CA-D95A38CA7D62}" type="datetimeFigureOut">
               <a:rPr lang="zh-CN" altLang="en-US" smtClean="0"/>
-              <a:t>2018/3/1</a:t>
+              <a:t>2018/4/26</a:t>
             </a:fld>
             <a:endParaRPr lang="zh-CN" altLang="en-US"/>
           </a:p>
@@ -2137,7 +1797,7 @@
           <a:p>
             <a:fld id="{A5E21016-498F-4141-B0CA-D95A38CA7D62}" type="datetimeFigureOut">
               <a:rPr lang="zh-CN" altLang="en-US" smtClean="0"/>
-              <a:t>2018/3/1</a:t>
+              <a:t>2018/4/26</a:t>
             </a:fld>
             <a:endParaRPr lang="zh-CN" altLang="en-US"/>
           </a:p>
@@ -2699,7 +2359,7 @@
           <a:p>
             <a:fld id="{A5E21016-498F-4141-B0CA-D95A38CA7D62}" type="datetimeFigureOut">
               <a:rPr lang="zh-CN" altLang="en-US" smtClean="0"/>
-              <a:t>2018/3/1</a:t>
+              <a:t>2018/4/26</a:t>
             </a:fld>
             <a:endParaRPr lang="zh-CN" altLang="en-US"/>
           </a:p>
@@ -2996,7 +2656,7 @@
           <a:p>
             <a:fld id="{A5E21016-498F-4141-B0CA-D95A38CA7D62}" type="datetimeFigureOut">
               <a:rPr lang="zh-CN" altLang="en-US" smtClean="0"/>
-              <a:t>2018/3/1</a:t>
+              <a:t>2018/4/26</a:t>
             </a:fld>
             <a:endParaRPr lang="zh-CN" altLang="en-US"/>
           </a:p>
@@ -3435,7 +3095,7 @@
           <a:p>
             <a:fld id="{A5E21016-498F-4141-B0CA-D95A38CA7D62}" type="datetimeFigureOut">
               <a:rPr lang="zh-CN" altLang="en-US" smtClean="0"/>
-              <a:t>2018/3/1</a:t>
+              <a:t>2018/4/26</a:t>
             </a:fld>
             <a:endParaRPr lang="zh-CN" altLang="en-US"/>
           </a:p>
@@ -3608,7 +3268,7 @@
           <a:p>
             <a:fld id="{A5E21016-498F-4141-B0CA-D95A38CA7D62}" type="datetimeFigureOut">
               <a:rPr lang="zh-CN" altLang="en-US" smtClean="0"/>
-              <a:t>2018/3/1</a:t>
+              <a:t>2018/4/26</a:t>
             </a:fld>
             <a:endParaRPr lang="zh-CN" altLang="en-US"/>
           </a:p>
@@ -3745,7 +3405,7 @@
           <a:p>
             <a:fld id="{A5E21016-498F-4141-B0CA-D95A38CA7D62}" type="datetimeFigureOut">
               <a:rPr lang="zh-CN" altLang="en-US" smtClean="0"/>
-              <a:t>2018/3/1</a:t>
+              <a:t>2018/4/26</a:t>
             </a:fld>
             <a:endParaRPr lang="zh-CN" altLang="en-US"/>
           </a:p>
@@ -4083,7 +3743,7 @@
           <a:p>
             <a:fld id="{A5E21016-498F-4141-B0CA-D95A38CA7D62}" type="datetimeFigureOut">
               <a:rPr lang="zh-CN" altLang="en-US" smtClean="0"/>
-              <a:t>2018/3/1</a:t>
+              <a:t>2018/4/26</a:t>
             </a:fld>
             <a:endParaRPr lang="zh-CN" altLang="en-US"/>
           </a:p>
@@ -4398,7 +4058,7 @@
           <a:p>
             <a:fld id="{A5E21016-498F-4141-B0CA-D95A38CA7D62}" type="datetimeFigureOut">
               <a:rPr lang="zh-CN" altLang="en-US" smtClean="0"/>
-              <a:t>2018/3/1</a:t>
+              <a:t>2018/4/26</a:t>
             </a:fld>
             <a:endParaRPr lang="zh-CN" altLang="en-US"/>
           </a:p>
@@ -4997,7 +4657,7 @@
         <p:spPr>
           <a:xfrm>
             <a:off x="672483" y="1012055"/>
-            <a:ext cx="10847034" cy="4893647"/>
+            <a:ext cx="10847034" cy="5016758"/>
           </a:xfrm>
           <a:prstGeom prst="rect">
             <a:avLst/>
@@ -5094,10 +4754,22 @@
           <a:p>
             <a:pPr algn="ctr"/>
             <a:r>
-              <a:rPr lang="zh-CN" altLang="en-US" sz="2800" dirty="0"/>
-              <a:t>第十四讲 如何发送图片和视频</a:t>
-            </a:r>
-            <a:endParaRPr lang="en-US" altLang="zh-CN" sz="2800" dirty="0"/>
+              <a:rPr lang="zh-CN" altLang="en-US" sz="3200" dirty="0"/>
+              <a:t>第十四</a:t>
+            </a:r>
+            <a:r>
+              <a:rPr lang="zh-CN" altLang="en-US" sz="3200"/>
+              <a:t>讲 </a:t>
+            </a:r>
+            <a:r>
+              <a:rPr lang="en-US" altLang="zh-CN" sz="3200"/>
+              <a:t>WCMS-</a:t>
+            </a:r>
+            <a:r>
+              <a:rPr lang="zh-CN" altLang="en-US" sz="3200"/>
+              <a:t>管理员和用户</a:t>
+            </a:r>
+            <a:endParaRPr lang="en-US" altLang="zh-CN" sz="3200" dirty="0"/>
           </a:p>
           <a:p>
             <a:endParaRPr lang="en-US" altLang="zh-CN" dirty="0"/>
@@ -5120,320 +4792,6 @@
     <p:extLst>
       <p:ext uri="{BB962C8B-B14F-4D97-AF65-F5344CB8AC3E}">
         <p14:creationId xmlns:p14="http://schemas.microsoft.com/office/powerpoint/2010/main" val="77345332"/>
-      </p:ext>
-    </p:extLst>
-  </p:cSld>
-  <p:clrMapOvr>
-    <a:masterClrMapping/>
-  </p:clrMapOvr>
-</p:sld>
-</file>
-
-<file path=ppt/slides/slide10.xml><?xml version="1.0" encoding="utf-8"?>
-<p:sld xmlns:a="http://schemas.openxmlformats.org/drawingml/2006/main" xmlns:r="http://schemas.openxmlformats.org/officeDocument/2006/relationships" xmlns:p="http://schemas.openxmlformats.org/presentationml/2006/main">
-  <p:cSld>
-    <p:spTree>
-      <p:nvGrpSpPr>
-        <p:cNvPr id="1" name=""/>
-        <p:cNvGrpSpPr/>
-        <p:nvPr/>
-      </p:nvGrpSpPr>
-      <p:grpSpPr>
-        <a:xfrm>
-          <a:off x="0" y="0"/>
-          <a:ext cx="0" cy="0"/>
-          <a:chOff x="0" y="0"/>
-          <a:chExt cx="0" cy="0"/>
-        </a:xfrm>
-      </p:grpSpPr>
-      <p:sp>
-        <p:nvSpPr>
-          <p:cNvPr id="4" name="标题 3">
-            <a:extLst>
-              <a:ext uri="{FF2B5EF4-FFF2-40B4-BE49-F238E27FC236}">
-                <a16:creationId xmlns:a16="http://schemas.microsoft.com/office/drawing/2014/main" id="{2729939D-814A-4BD2-9922-3F8EA865938B}"/>
-              </a:ext>
-            </a:extLst>
-          </p:cNvPr>
-          <p:cNvSpPr>
-            <a:spLocks noGrp="1"/>
-          </p:cNvSpPr>
-          <p:nvPr>
-            <p:ph type="title"/>
-          </p:nvPr>
-        </p:nvSpPr>
-        <p:spPr>
-          <a:xfrm>
-            <a:off x="838200" y="683581"/>
-            <a:ext cx="10515600" cy="736846"/>
-          </a:xfrm>
-        </p:spPr>
-        <p:txBody>
-          <a:bodyPr/>
-          <a:lstStyle/>
-          <a:p>
-            <a:r>
-              <a:rPr lang="zh-CN" altLang="en-US" dirty="0"/>
-              <a:t>连接关闭：</a:t>
-            </a:r>
-            <a:r>
-              <a:rPr lang="en-US" altLang="zh-CN" dirty="0" err="1"/>
-              <a:t>onClose</a:t>
-            </a:r>
-            <a:r>
-              <a:rPr lang="zh-CN" altLang="en-US" dirty="0"/>
-              <a:t>事件</a:t>
-            </a:r>
-          </a:p>
-        </p:txBody>
-      </p:sp>
-      <p:sp>
-        <p:nvSpPr>
-          <p:cNvPr id="6" name="内容占位符 5">
-            <a:extLst>
-              <a:ext uri="{FF2B5EF4-FFF2-40B4-BE49-F238E27FC236}">
-                <a16:creationId xmlns:a16="http://schemas.microsoft.com/office/drawing/2014/main" id="{B83E9AD4-C606-4679-B884-01F71CC97E44}"/>
-              </a:ext>
-            </a:extLst>
-          </p:cNvPr>
-          <p:cNvSpPr>
-            <a:spLocks noGrp="1"/>
-          </p:cNvSpPr>
-          <p:nvPr>
-            <p:ph idx="1"/>
-          </p:nvPr>
-        </p:nvSpPr>
-        <p:spPr>
-          <a:xfrm>
-            <a:off x="838200" y="1656500"/>
-            <a:ext cx="10515600" cy="4850832"/>
-          </a:xfrm>
-        </p:spPr>
-        <p:txBody>
-          <a:bodyPr>
-            <a:normAutofit/>
-          </a:bodyPr>
-          <a:lstStyle/>
-          <a:p>
-            <a:r>
-              <a:rPr lang="zh-CN" altLang="en-US" sz="2000" dirty="0"/>
-              <a:t>关闭连接要从</a:t>
-            </a:r>
-            <a:r>
-              <a:rPr lang="en-US" altLang="zh-CN" sz="2000" dirty="0"/>
-              <a:t>Memcached</a:t>
-            </a:r>
-            <a:r>
-              <a:rPr lang="zh-CN" altLang="en-US" sz="2000" dirty="0"/>
-              <a:t>去除缓存数据。</a:t>
-            </a:r>
-            <a:endParaRPr lang="en-US" altLang="zh-CN" sz="2000" dirty="0"/>
-          </a:p>
-          <a:p>
-            <a:endParaRPr lang="en-US" altLang="zh-CN" sz="2000" dirty="0"/>
-          </a:p>
-          <a:p>
-            <a:endParaRPr lang="en-US" altLang="zh-CN" sz="2000" dirty="0"/>
-          </a:p>
-        </p:txBody>
-      </p:sp>
-      <p:pic>
-        <p:nvPicPr>
-          <p:cNvPr id="3" name="图片 2">
-            <a:extLst>
-              <a:ext uri="{FF2B5EF4-FFF2-40B4-BE49-F238E27FC236}">
-                <a16:creationId xmlns:a16="http://schemas.microsoft.com/office/drawing/2014/main" id="{6182DC60-C94A-4DD4-95DC-C3AD7F476710}"/>
-              </a:ext>
-            </a:extLst>
-          </p:cNvPr>
-          <p:cNvPicPr>
-            <a:picLocks noChangeAspect="1"/>
-          </p:cNvPicPr>
-          <p:nvPr/>
-        </p:nvPicPr>
-        <p:blipFill>
-          <a:blip r:embed="rId3">
-            <a:extLst>
-              <a:ext uri="{28A0092B-C50C-407E-A947-70E740481C1C}">
-                <a14:useLocalDpi xmlns:a14="http://schemas.microsoft.com/office/drawing/2010/main" val="0"/>
-              </a:ext>
-            </a:extLst>
-          </a:blip>
-          <a:stretch>
-            <a:fillRect/>
-          </a:stretch>
-        </p:blipFill>
-        <p:spPr>
-          <a:xfrm>
-            <a:off x="838199" y="2517633"/>
-            <a:ext cx="10014621" cy="1388542"/>
-          </a:xfrm>
-          <a:prstGeom prst="rect">
-            <a:avLst/>
-          </a:prstGeom>
-        </p:spPr>
-      </p:pic>
-    </p:spTree>
-    <p:extLst>
-      <p:ext uri="{BB962C8B-B14F-4D97-AF65-F5344CB8AC3E}">
-        <p14:creationId xmlns:p14="http://schemas.microsoft.com/office/powerpoint/2010/main" val="2051629585"/>
-      </p:ext>
-    </p:extLst>
-  </p:cSld>
-  <p:clrMapOvr>
-    <a:masterClrMapping/>
-  </p:clrMapOvr>
-</p:sld>
-</file>
-
-<file path=ppt/slides/slide11.xml><?xml version="1.0" encoding="utf-8"?>
-<p:sld xmlns:a="http://schemas.openxmlformats.org/drawingml/2006/main" xmlns:r="http://schemas.openxmlformats.org/officeDocument/2006/relationships" xmlns:p="http://schemas.openxmlformats.org/presentationml/2006/main">
-  <p:cSld>
-    <p:spTree>
-      <p:nvGrpSpPr>
-        <p:cNvPr id="1" name=""/>
-        <p:cNvGrpSpPr/>
-        <p:nvPr/>
-      </p:nvGrpSpPr>
-      <p:grpSpPr>
-        <a:xfrm>
-          <a:off x="0" y="0"/>
-          <a:ext cx="0" cy="0"/>
-          <a:chOff x="0" y="0"/>
-          <a:chExt cx="0" cy="0"/>
-        </a:xfrm>
-      </p:grpSpPr>
-      <p:sp>
-        <p:nvSpPr>
-          <p:cNvPr id="4" name="标题 3">
-            <a:extLst>
-              <a:ext uri="{FF2B5EF4-FFF2-40B4-BE49-F238E27FC236}">
-                <a16:creationId xmlns:a16="http://schemas.microsoft.com/office/drawing/2014/main" id="{2729939D-814A-4BD2-9922-3F8EA865938B}"/>
-              </a:ext>
-            </a:extLst>
-          </p:cNvPr>
-          <p:cNvSpPr>
-            <a:spLocks noGrp="1"/>
-          </p:cNvSpPr>
-          <p:nvPr>
-            <p:ph type="title"/>
-          </p:nvPr>
-        </p:nvSpPr>
-        <p:spPr>
-          <a:xfrm>
-            <a:off x="838200" y="683581"/>
-            <a:ext cx="10515600" cy="736846"/>
-          </a:xfrm>
-        </p:spPr>
-        <p:txBody>
-          <a:bodyPr/>
-          <a:lstStyle/>
-          <a:p>
-            <a:r>
-              <a:rPr lang="zh-CN" altLang="en-US" dirty="0"/>
-              <a:t>处理</a:t>
-            </a:r>
-            <a:r>
-              <a:rPr lang="en-US" altLang="zh-CN" dirty="0"/>
-              <a:t>SIGTERM</a:t>
-            </a:r>
-            <a:r>
-              <a:rPr lang="zh-CN" altLang="en-US" dirty="0"/>
-              <a:t>信号：</a:t>
-            </a:r>
-            <a:r>
-              <a:rPr lang="en-US" altLang="zh-CN" dirty="0" err="1"/>
-              <a:t>onShutdown</a:t>
-            </a:r>
-            <a:r>
-              <a:rPr lang="zh-CN" altLang="en-US" dirty="0"/>
-              <a:t>事件</a:t>
-            </a:r>
-          </a:p>
-        </p:txBody>
-      </p:sp>
-      <p:sp>
-        <p:nvSpPr>
-          <p:cNvPr id="3" name="内容占位符 2">
-            <a:extLst>
-              <a:ext uri="{FF2B5EF4-FFF2-40B4-BE49-F238E27FC236}">
-                <a16:creationId xmlns:a16="http://schemas.microsoft.com/office/drawing/2014/main" id="{0AD66112-A95E-43A5-BEC1-800B737F8E8C}"/>
-              </a:ext>
-            </a:extLst>
-          </p:cNvPr>
-          <p:cNvSpPr>
-            <a:spLocks noGrp="1"/>
-          </p:cNvSpPr>
-          <p:nvPr>
-            <p:ph idx="1"/>
-          </p:nvPr>
-        </p:nvSpPr>
-        <p:spPr/>
-        <p:txBody>
-          <a:bodyPr>
-            <a:normAutofit/>
-          </a:bodyPr>
-          <a:lstStyle/>
-          <a:p>
-            <a:r>
-              <a:rPr lang="zh-CN" altLang="en-US" sz="2000" dirty="0"/>
-              <a:t>进程捕获到</a:t>
-            </a:r>
-            <a:r>
-              <a:rPr lang="en-US" altLang="zh-CN" sz="2000" dirty="0"/>
-              <a:t>SIGTERM</a:t>
-            </a:r>
-            <a:r>
-              <a:rPr lang="zh-CN" altLang="en-US" sz="2000" dirty="0"/>
-              <a:t>信号要做后续处理。</a:t>
-            </a:r>
-            <a:endParaRPr lang="en-US" altLang="zh-CN" sz="2000" dirty="0"/>
-          </a:p>
-          <a:p>
-            <a:endParaRPr lang="zh-CN" altLang="en-US" sz="2000" dirty="0"/>
-          </a:p>
-        </p:txBody>
-      </p:sp>
-      <p:pic>
-        <p:nvPicPr>
-          <p:cNvPr id="5" name="图片 4">
-            <a:extLst>
-              <a:ext uri="{FF2B5EF4-FFF2-40B4-BE49-F238E27FC236}">
-                <a16:creationId xmlns:a16="http://schemas.microsoft.com/office/drawing/2014/main" id="{348384AC-A8CE-40D4-AD37-7E289DB67E53}"/>
-              </a:ext>
-            </a:extLst>
-          </p:cNvPr>
-          <p:cNvPicPr>
-            <a:picLocks noChangeAspect="1"/>
-          </p:cNvPicPr>
-          <p:nvPr/>
-        </p:nvPicPr>
-        <p:blipFill>
-          <a:blip r:embed="rId3">
-            <a:extLst>
-              <a:ext uri="{28A0092B-C50C-407E-A947-70E740481C1C}">
-                <a14:useLocalDpi xmlns:a14="http://schemas.microsoft.com/office/drawing/2010/main" val="0"/>
-              </a:ext>
-            </a:extLst>
-          </a:blip>
-          <a:stretch>
-            <a:fillRect/>
-          </a:stretch>
-        </p:blipFill>
-        <p:spPr>
-          <a:xfrm>
-            <a:off x="838200" y="2757035"/>
-            <a:ext cx="10596402" cy="1726188"/>
-          </a:xfrm>
-          <a:prstGeom prst="rect">
-            <a:avLst/>
-          </a:prstGeom>
-        </p:spPr>
-      </p:pic>
-    </p:spTree>
-    <p:extLst>
-      <p:ext uri="{BB962C8B-B14F-4D97-AF65-F5344CB8AC3E}">
-        <p14:creationId xmlns:p14="http://schemas.microsoft.com/office/powerpoint/2010/main" val="1299681857"/>
       </p:ext>
     </p:extLst>
   </p:cSld>
@@ -5487,9 +4845,10 @@
           <a:lstStyle/>
           <a:p>
             <a:r>
-              <a:rPr lang="zh-CN" altLang="en-US" dirty="0"/>
-              <a:t>实现方式</a:t>
-            </a:r>
+              <a:rPr lang="zh-CN" altLang="en-US"/>
+              <a:t>管理员账户</a:t>
+            </a:r>
+            <a:endParaRPr lang="zh-CN" altLang="en-US" dirty="0"/>
           </a:p>
         </p:txBody>
       </p:sp>
@@ -5522,79 +4881,31 @@
           <a:lstStyle/>
           <a:p>
             <a:r>
-              <a:rPr lang="en-US" altLang="zh-CN" sz="2000" dirty="0"/>
-              <a:t>LNMP</a:t>
-            </a:r>
-            <a:r>
-              <a:rPr lang="zh-CN" altLang="en-US" sz="2000" dirty="0"/>
-              <a:t>方式实现一个图片</a:t>
-            </a:r>
-            <a:r>
-              <a:rPr lang="en-US" altLang="zh-CN" sz="2000" dirty="0"/>
-              <a:t>/</a:t>
-            </a:r>
-            <a:r>
-              <a:rPr lang="zh-CN" altLang="en-US" sz="2000" dirty="0"/>
-              <a:t>视频上传的服务。</a:t>
-            </a:r>
+              <a:rPr lang="zh-CN" altLang="en-US" sz="2400"/>
+              <a:t>管理员账户是在数据库初始化的时候分配一个最高级别的账号，称为</a:t>
+            </a:r>
+            <a:r>
+              <a:rPr lang="en-US" altLang="zh-CN" sz="2400"/>
+              <a:t>root</a:t>
+            </a:r>
+            <a:r>
+              <a:rPr lang="zh-CN" altLang="en-US" sz="2400"/>
+              <a:t>账号。此账号可以分配其他管理员。</a:t>
+            </a:r>
+            <a:endParaRPr lang="en-US" altLang="zh-CN" sz="2400" dirty="0"/>
+          </a:p>
+          <a:p>
             <a:endParaRPr lang="en-US" altLang="zh-CN" sz="2000" dirty="0"/>
           </a:p>
           <a:p>
-            <a:endParaRPr lang="en-US" altLang="zh-CN" sz="2000" dirty="0"/>
-          </a:p>
-          <a:p>
-            <a:r>
-              <a:rPr lang="zh-CN" altLang="en-US" sz="2000" dirty="0"/>
-              <a:t>上传服务会返回已上传资源的</a:t>
-            </a:r>
-            <a:r>
-              <a:rPr lang="en-US" altLang="zh-CN" sz="2000" dirty="0" err="1"/>
-              <a:t>meida_id</a:t>
-            </a:r>
-            <a:r>
-              <a:rPr lang="zh-CN" altLang="en-US" sz="2000" dirty="0"/>
-              <a:t>以及</a:t>
-            </a:r>
-            <a:r>
-              <a:rPr lang="en-US" altLang="zh-CN" sz="2000" dirty="0" err="1"/>
-              <a:t>media_type</a:t>
-            </a:r>
-            <a:r>
-              <a:rPr lang="zh-CN" altLang="en-US" sz="2000" dirty="0"/>
-              <a:t>等信息。</a:t>
-            </a:r>
-            <a:endParaRPr lang="en-US" altLang="zh-CN" sz="2000" dirty="0"/>
-          </a:p>
-          <a:p>
-            <a:endParaRPr lang="en-US" altLang="zh-CN" sz="2000" dirty="0"/>
-          </a:p>
-          <a:p>
-            <a:endParaRPr lang="en-US" altLang="zh-CN" sz="2000" dirty="0"/>
-          </a:p>
-          <a:p>
-            <a:endParaRPr lang="en-US" altLang="zh-CN" sz="2000" dirty="0"/>
-          </a:p>
-          <a:p>
-            <a:r>
-              <a:rPr lang="zh-CN" altLang="en-US" sz="2000" dirty="0"/>
-              <a:t>使用一个简单的通信协议。</a:t>
-            </a:r>
-            <a:endParaRPr lang="en-US" altLang="zh-CN" sz="2000" dirty="0"/>
-          </a:p>
-          <a:p>
-            <a:endParaRPr lang="en-US" altLang="zh-CN" sz="2000" dirty="0"/>
-          </a:p>
-          <a:p>
-            <a:r>
-              <a:rPr lang="zh-CN" altLang="en-US" sz="2000" dirty="0"/>
-              <a:t>服务器接收到数据，直接转发给其他成员。</a:t>
-            </a:r>
-            <a:endParaRPr lang="en-US" altLang="zh-CN" sz="2000" dirty="0"/>
-          </a:p>
-          <a:p>
-            <a:endParaRPr lang="en-US" altLang="zh-CN" sz="2400" dirty="0"/>
-          </a:p>
-          <a:p>
+            <a:r>
+              <a:rPr lang="en-US" altLang="zh-CN" sz="2400"/>
+              <a:t>root</a:t>
+            </a:r>
+            <a:r>
+              <a:rPr lang="zh-CN" altLang="en-US" sz="2400"/>
+              <a:t>账号可以分配其他管理员的权限，可以更改和删除其他账户。</a:t>
+            </a:r>
             <a:endParaRPr lang="en-US" altLang="zh-CN" sz="2400" dirty="0"/>
           </a:p>
           <a:p>
@@ -5659,9 +4970,10 @@
           <a:lstStyle/>
           <a:p>
             <a:r>
-              <a:rPr lang="zh-CN" altLang="en-US" dirty="0"/>
-              <a:t>设计简单的通信协议</a:t>
-            </a:r>
+              <a:rPr lang="zh-CN" altLang="en-US"/>
+              <a:t>用户</a:t>
+            </a:r>
+            <a:endParaRPr lang="zh-CN" altLang="en-US" dirty="0"/>
           </a:p>
         </p:txBody>
       </p:sp>
@@ -5694,333 +5006,57 @@
           <a:lstStyle/>
           <a:p>
             <a:r>
-              <a:rPr lang="zh-CN" altLang="en-US" sz="2000" dirty="0"/>
-              <a:t>通信数据使用</a:t>
-            </a:r>
-            <a:r>
-              <a:rPr lang="en-US" altLang="zh-CN" sz="2000" dirty="0"/>
-              <a:t>JSON</a:t>
-            </a:r>
-            <a:r>
-              <a:rPr lang="zh-CN" altLang="en-US" sz="2000" dirty="0"/>
-              <a:t>格式。前端</a:t>
-            </a:r>
-            <a:r>
-              <a:rPr lang="en-US" altLang="zh-CN" sz="2000" dirty="0"/>
-              <a:t>JS</a:t>
-            </a:r>
-            <a:r>
-              <a:rPr lang="zh-CN" altLang="en-US" sz="2000" dirty="0"/>
-              <a:t>可以直接处理</a:t>
-            </a:r>
-            <a:r>
-              <a:rPr lang="en-US" altLang="zh-CN" sz="2000" dirty="0"/>
-              <a:t>JSON</a:t>
-            </a:r>
-            <a:r>
-              <a:rPr lang="zh-CN" altLang="en-US" sz="2000" dirty="0"/>
-              <a:t>数据，</a:t>
-            </a:r>
-            <a:r>
-              <a:rPr lang="en-US" altLang="zh-CN" sz="2000" dirty="0"/>
-              <a:t>PHP</a:t>
-            </a:r>
-            <a:r>
-              <a:rPr lang="zh-CN" altLang="en-US" sz="2000" dirty="0"/>
-              <a:t>使用</a:t>
-            </a:r>
-            <a:r>
-              <a:rPr lang="en-US" altLang="zh-CN" sz="2000" dirty="0" err="1"/>
-              <a:t>json</a:t>
-            </a:r>
-            <a:r>
-              <a:rPr lang="zh-CN" altLang="en-US" sz="2000" dirty="0"/>
-              <a:t>扩展也可以很方便的处理</a:t>
-            </a:r>
-            <a:r>
-              <a:rPr lang="en-US" altLang="zh-CN" sz="2000" dirty="0"/>
-              <a:t>JSON</a:t>
-            </a:r>
-            <a:r>
-              <a:rPr lang="zh-CN" altLang="en-US" sz="2000" dirty="0"/>
-              <a:t>数据。</a:t>
-            </a:r>
-            <a:endParaRPr lang="en-US" altLang="zh-CN" sz="2000" dirty="0"/>
-          </a:p>
-          <a:p>
-            <a:endParaRPr lang="en-US" altLang="zh-CN" sz="2000" dirty="0"/>
-          </a:p>
-          <a:p>
-            <a:endParaRPr lang="en-US" altLang="zh-CN" sz="2000" dirty="0"/>
-          </a:p>
-        </p:txBody>
-      </p:sp>
-      <p:graphicFrame>
-        <p:nvGraphicFramePr>
-          <p:cNvPr id="2" name="表格 1">
-            <a:extLst>
-              <a:ext uri="{FF2B5EF4-FFF2-40B4-BE49-F238E27FC236}">
-                <a16:creationId xmlns:a16="http://schemas.microsoft.com/office/drawing/2014/main" id="{D2439E23-1169-4691-A9A7-5F55D4608286}"/>
-              </a:ext>
-            </a:extLst>
-          </p:cNvPr>
-          <p:cNvGraphicFramePr>
-            <a:graphicFrameLocks noGrp="1"/>
-          </p:cNvGraphicFramePr>
-          <p:nvPr>
-            <p:extLst>
-              <p:ext uri="{D42A27DB-BD31-4B8C-83A1-F6EECF244321}">
-                <p14:modId xmlns:p14="http://schemas.microsoft.com/office/powerpoint/2010/main" val="956212349"/>
-              </p:ext>
-            </p:extLst>
-          </p:nvPr>
-        </p:nvGraphicFramePr>
-        <p:xfrm>
-          <a:off x="838200" y="2601732"/>
-          <a:ext cx="10515600" cy="3843456"/>
-        </p:xfrm>
-        <a:graphic>
-          <a:graphicData uri="http://schemas.openxmlformats.org/drawingml/2006/table">
-            <a:tbl>
-              <a:tblPr firstRow="1" bandRow="1">
-                <a:tableStyleId>{2D5ABB26-0587-4C30-8999-92F81FD0307C}</a:tableStyleId>
-              </a:tblPr>
-              <a:tblGrid>
-                <a:gridCol w="5257800">
-                  <a:extLst>
-                    <a:ext uri="{9D8B030D-6E8A-4147-A177-3AD203B41FA5}">
-                      <a16:colId xmlns:a16="http://schemas.microsoft.com/office/drawing/2014/main" val="1695361535"/>
-                    </a:ext>
-                  </a:extLst>
-                </a:gridCol>
-                <a:gridCol w="5257800">
-                  <a:extLst>
-                    <a:ext uri="{9D8B030D-6E8A-4147-A177-3AD203B41FA5}">
-                      <a16:colId xmlns:a16="http://schemas.microsoft.com/office/drawing/2014/main" val="2085342688"/>
-                    </a:ext>
-                  </a:extLst>
-                </a:gridCol>
-              </a:tblGrid>
-              <a:tr h="3843456">
-                <a:tc>
-                  <a:txBody>
-                    <a:bodyPr/>
-                    <a:lstStyle/>
-                    <a:p>
-                      <a:r>
-                        <a:rPr lang="zh-CN" altLang="en-US" dirty="0"/>
-                        <a:t>客户端发送：</a:t>
-                      </a:r>
-                      <a:endParaRPr lang="en-US" altLang="zh-CN" dirty="0"/>
-                    </a:p>
-                    <a:p>
-                      <a:pPr lvl="1"/>
-                      <a:r>
-                        <a:rPr lang="en-US" altLang="zh-CN" dirty="0"/>
-                        <a:t>{</a:t>
-                      </a:r>
-                    </a:p>
-                    <a:p>
-                      <a:pPr lvl="1"/>
-                      <a:r>
-                        <a:rPr lang="en-US" altLang="zh-CN" dirty="0"/>
-                        <a:t>  </a:t>
-                      </a:r>
-                      <a:r>
-                        <a:rPr lang="zh-CN" altLang="en-US" dirty="0"/>
-                        <a:t>“</a:t>
-                      </a:r>
-                      <a:r>
-                        <a:rPr lang="en-US" altLang="zh-CN" dirty="0" err="1"/>
-                        <a:t>msg</a:t>
-                      </a:r>
-                      <a:r>
-                        <a:rPr lang="zh-CN" altLang="en-US" dirty="0"/>
-                        <a:t>”</a:t>
-                      </a:r>
-                      <a:r>
-                        <a:rPr lang="en-US" altLang="zh-CN" dirty="0"/>
-                        <a:t>:”I am </a:t>
-                      </a:r>
-                      <a:r>
-                        <a:rPr lang="en-US" altLang="zh-CN" dirty="0" err="1"/>
-                        <a:t>phper</a:t>
-                      </a:r>
-                      <a:r>
-                        <a:rPr lang="en-US" altLang="zh-CN" dirty="0"/>
-                        <a:t>”</a:t>
-                      </a:r>
-                    </a:p>
-                    <a:p>
-                      <a:pPr lvl="1"/>
-                      <a:r>
-                        <a:rPr lang="en-US" altLang="zh-CN" dirty="0"/>
-                        <a:t>}</a:t>
-                      </a:r>
-                    </a:p>
-                    <a:p>
-                      <a:endParaRPr lang="en-US" altLang="zh-CN" dirty="0"/>
-                    </a:p>
-                    <a:p>
-                      <a:r>
-                        <a:rPr lang="zh-CN" altLang="en-US" dirty="0"/>
-                        <a:t>客户端接收：</a:t>
-                      </a:r>
-                      <a:endParaRPr lang="en-US" altLang="zh-CN" dirty="0"/>
-                    </a:p>
-                    <a:p>
-                      <a:pPr lvl="1"/>
-                      <a:r>
-                        <a:rPr lang="en-US" altLang="zh-CN" dirty="0"/>
-                        <a:t>{</a:t>
-                      </a:r>
-                    </a:p>
-                    <a:p>
-                      <a:pPr lvl="1"/>
-                      <a:r>
-                        <a:rPr lang="en-US" altLang="zh-CN" dirty="0"/>
-                        <a:t>  </a:t>
-                      </a:r>
-                      <a:r>
-                        <a:rPr lang="zh-CN" altLang="en-US" dirty="0"/>
-                        <a:t>“</a:t>
-                      </a:r>
-                      <a:r>
-                        <a:rPr lang="en-US" altLang="zh-CN" dirty="0" err="1"/>
-                        <a:t>from_id</a:t>
-                      </a:r>
-                      <a:r>
-                        <a:rPr lang="zh-CN" altLang="en-US" dirty="0"/>
-                        <a:t>” </a:t>
-                      </a:r>
-                      <a:r>
-                        <a:rPr lang="en-US" altLang="zh-CN" dirty="0"/>
-                        <a:t>: “12”,</a:t>
-                      </a:r>
-                    </a:p>
-                    <a:p>
-                      <a:pPr lvl="1"/>
-                      <a:r>
-                        <a:rPr lang="en-US" altLang="zh-CN" dirty="0"/>
-                        <a:t>  “</a:t>
-                      </a:r>
-                      <a:r>
-                        <a:rPr lang="en-US" altLang="zh-CN" dirty="0" err="1"/>
-                        <a:t>msg</a:t>
-                      </a:r>
-                      <a:r>
-                        <a:rPr lang="en-US" altLang="zh-CN" dirty="0"/>
-                        <a:t>”:”I am </a:t>
-                      </a:r>
-                      <a:r>
-                        <a:rPr lang="en-US" altLang="zh-CN" dirty="0" err="1"/>
-                        <a:t>phper</a:t>
-                      </a:r>
-                      <a:r>
-                        <a:rPr lang="en-US" altLang="zh-CN" dirty="0"/>
-                        <a:t>”,</a:t>
-                      </a:r>
-                    </a:p>
-                    <a:p>
-                      <a:pPr lvl="1"/>
-                      <a:r>
-                        <a:rPr lang="en-US" altLang="zh-CN" dirty="0"/>
-                        <a:t>  “msg_time”:”1456690889”</a:t>
-                      </a:r>
-                    </a:p>
-                    <a:p>
-                      <a:pPr lvl="1"/>
-                      <a:r>
-                        <a:rPr lang="en-US" altLang="zh-CN" dirty="0"/>
-                        <a:t>}</a:t>
-                      </a:r>
-                      <a:endParaRPr lang="zh-CN" altLang="en-US" dirty="0"/>
-                    </a:p>
-                    <a:p>
-                      <a:endParaRPr lang="zh-CN" altLang="en-US" dirty="0"/>
-                    </a:p>
-                  </a:txBody>
-                  <a:tcPr/>
-                </a:tc>
-                <a:tc>
-                  <a:txBody>
-                    <a:bodyPr/>
-                    <a:lstStyle/>
-                    <a:p>
-                      <a:r>
-                        <a:rPr lang="zh-CN" altLang="en-US" dirty="0"/>
-                        <a:t>服务器推送：</a:t>
-                      </a:r>
-                      <a:endParaRPr lang="en-US" altLang="zh-CN" dirty="0"/>
-                    </a:p>
-                    <a:p>
-                      <a:pPr lvl="1"/>
-                      <a:r>
-                        <a:rPr lang="en-US" altLang="zh-CN" dirty="0"/>
-                        <a:t>{</a:t>
-                      </a:r>
-                    </a:p>
-                    <a:p>
-                      <a:pPr lvl="1"/>
-                      <a:r>
-                        <a:rPr lang="en-US" altLang="zh-CN" dirty="0"/>
-                        <a:t>  </a:t>
-                      </a:r>
-                      <a:r>
-                        <a:rPr lang="zh-CN" altLang="en-US" dirty="0"/>
-                        <a:t>“</a:t>
-                      </a:r>
-                      <a:r>
-                        <a:rPr lang="en-US" altLang="zh-CN" dirty="0" err="1"/>
-                        <a:t>msg</a:t>
-                      </a:r>
-                      <a:r>
-                        <a:rPr lang="zh-CN" altLang="en-US" dirty="0"/>
-                        <a:t>”</a:t>
-                      </a:r>
-                      <a:r>
-                        <a:rPr lang="en-US" altLang="zh-CN" dirty="0"/>
-                        <a:t>:”you are login as 23 id”,</a:t>
-                      </a:r>
-                    </a:p>
-                    <a:p>
-                      <a:pPr lvl="1"/>
-                      <a:r>
-                        <a:rPr lang="en-US" altLang="zh-CN" dirty="0"/>
-                        <a:t>  “</a:t>
-                      </a:r>
-                      <a:r>
-                        <a:rPr lang="en-US" altLang="zh-CN" dirty="0" err="1"/>
-                        <a:t>msg_source”:”server</a:t>
-                      </a:r>
-                      <a:r>
-                        <a:rPr lang="en-US" altLang="zh-CN" dirty="0"/>
-                        <a:t>”</a:t>
-                      </a:r>
-                    </a:p>
-                    <a:p>
-                      <a:pPr lvl="1"/>
-                      <a:r>
-                        <a:rPr lang="en-US" altLang="zh-CN" dirty="0"/>
-                        <a:t>}</a:t>
-                      </a:r>
-                    </a:p>
-                    <a:p>
-                      <a:endParaRPr lang="zh-CN" altLang="en-US" dirty="0"/>
-                    </a:p>
-                  </a:txBody>
-                  <a:tcPr/>
-                </a:tc>
-                <a:extLst>
-                  <a:ext uri="{0D108BD9-81ED-4DB2-BD59-A6C34878D82A}">
-                    <a16:rowId xmlns:a16="http://schemas.microsoft.com/office/drawing/2014/main" val="1269303955"/>
-                  </a:ext>
-                </a:extLst>
-              </a:tr>
-            </a:tbl>
-          </a:graphicData>
-        </a:graphic>
-      </p:graphicFrame>
+              <a:rPr lang="zh-CN" altLang="en-US" sz="2400"/>
+              <a:t>用户可以注册并登录，而注册和登录使用的是</a:t>
+            </a:r>
+            <a:r>
+              <a:rPr lang="en-US" altLang="zh-CN" sz="2400"/>
+              <a:t>API</a:t>
+            </a:r>
+            <a:r>
+              <a:rPr lang="zh-CN" altLang="en-US" sz="2400"/>
+              <a:t>。</a:t>
+            </a:r>
+            <a:endParaRPr lang="en-US" altLang="zh-CN" sz="2400"/>
+          </a:p>
+          <a:p>
+            <a:endParaRPr lang="en-US" altLang="zh-CN" sz="2400"/>
+          </a:p>
+          <a:p>
+            <a:r>
+              <a:rPr lang="zh-CN" altLang="en-US" sz="2400"/>
+              <a:t>和通常的注册登录不同，用户注册之后，登录使用的是</a:t>
+            </a:r>
+            <a:r>
+              <a:rPr lang="en-US" altLang="zh-CN" sz="2400"/>
+              <a:t>token</a:t>
+            </a:r>
+            <a:r>
+              <a:rPr lang="zh-CN" altLang="en-US" sz="2400"/>
+              <a:t>加密机制。</a:t>
+            </a:r>
+            <a:endParaRPr lang="en-US" altLang="zh-CN" sz="2400"/>
+          </a:p>
+          <a:p>
+            <a:endParaRPr lang="en-US" altLang="zh-CN" sz="2400"/>
+          </a:p>
+          <a:p>
+            <a:r>
+              <a:rPr lang="zh-CN" altLang="en-US" sz="2400"/>
+              <a:t>这需要用到</a:t>
+            </a:r>
+            <a:r>
+              <a:rPr lang="en-US" altLang="zh-CN" sz="2400"/>
+              <a:t>openssl</a:t>
+            </a:r>
+            <a:r>
+              <a:rPr lang="zh-CN" altLang="en-US" sz="2400"/>
+              <a:t>扩展进行加密。</a:t>
+            </a:r>
+            <a:endParaRPr lang="en-US" altLang="zh-CN" sz="2400" dirty="0"/>
+          </a:p>
+        </p:txBody>
+      </p:sp>
     </p:spTree>
     <p:extLst>
       <p:ext uri="{BB962C8B-B14F-4D97-AF65-F5344CB8AC3E}">
@@ -6080,17 +5116,10 @@
           <a:lstStyle/>
           <a:p>
             <a:r>
-              <a:rPr lang="zh-CN" altLang="en-US" dirty="0"/>
-              <a:t>为何要使用</a:t>
-            </a:r>
-            <a:r>
-              <a:rPr lang="en-US" altLang="zh-CN" dirty="0"/>
-              <a:t>Memcached</a:t>
-            </a:r>
-            <a:r>
-              <a:rPr lang="zh-CN" altLang="en-US" dirty="0"/>
-              <a:t>缓存连接数据</a:t>
-            </a:r>
+              <a:rPr lang="zh-CN" altLang="en-US"/>
+              <a:t>用户表</a:t>
+            </a:r>
+            <a:endParaRPr lang="zh-CN" altLang="en-US" dirty="0"/>
           </a:p>
         </p:txBody>
       </p:sp>
@@ -6122,66 +5151,53 @@
           </a:bodyPr>
           <a:lstStyle/>
           <a:p>
-            <a:r>
-              <a:rPr lang="en-US" altLang="zh-CN" sz="2000" dirty="0" err="1"/>
-              <a:t>Swoole</a:t>
-            </a:r>
-            <a:r>
-              <a:rPr lang="zh-CN" altLang="en-US" sz="2000" dirty="0"/>
-              <a:t>使用的是多进程。仅仅通过一个变量保存连接数据是不能保证同步的。</a:t>
-            </a:r>
+            <a:endParaRPr lang="en-US" altLang="zh-CN" sz="1600" dirty="0"/>
+          </a:p>
+          <a:p>
             <a:endParaRPr lang="en-US" altLang="zh-CN" sz="2000" dirty="0"/>
           </a:p>
-          <a:p>
-            <a:pPr marL="0" indent="0">
-              <a:buNone/>
-            </a:pPr>
-            <a:endParaRPr lang="en-US" altLang="zh-CN" sz="2000" dirty="0"/>
-          </a:p>
-          <a:p>
-            <a:r>
-              <a:rPr lang="zh-CN" altLang="en-US" sz="2000" dirty="0"/>
-              <a:t>管理进程会把请求按照指定规则分配给每个进程，而这样每个进程获得的连接信息是有差异的。</a:t>
-            </a:r>
-            <a:endParaRPr lang="en-US" altLang="zh-CN" sz="2000" dirty="0"/>
-          </a:p>
-          <a:p>
-            <a:endParaRPr lang="en-US" altLang="zh-CN" sz="2000" dirty="0"/>
-          </a:p>
-          <a:p>
-            <a:r>
-              <a:rPr lang="zh-CN" altLang="en-US" sz="2000" dirty="0"/>
-              <a:t>避免多进程的数据不能共享问题，使用一个公共的数据缓存。</a:t>
-            </a:r>
-            <a:endParaRPr lang="en-US" altLang="zh-CN" sz="2000" dirty="0"/>
-          </a:p>
-          <a:p>
-            <a:endParaRPr lang="en-US" altLang="zh-CN" sz="2000" dirty="0"/>
-          </a:p>
-          <a:p>
-            <a:endParaRPr lang="en-US" altLang="zh-CN" sz="2000" dirty="0"/>
-          </a:p>
-          <a:p>
-            <a:endParaRPr lang="en-US" altLang="zh-CN" sz="2000" dirty="0"/>
-          </a:p>
-          <a:p>
-            <a:endParaRPr lang="en-US" altLang="zh-CN" sz="2000" dirty="0"/>
-          </a:p>
-          <a:p>
-            <a:pPr marL="0" indent="0">
-              <a:buNone/>
-            </a:pPr>
-            <a:endParaRPr lang="en-US" altLang="zh-CN" sz="2000" dirty="0"/>
-          </a:p>
-          <a:p>
-            <a:endParaRPr lang="en-US" altLang="zh-CN" sz="2000" dirty="0"/>
-          </a:p>
-        </p:txBody>
-      </p:sp>
+        </p:txBody>
+      </p:sp>
+      <p:pic>
+        <p:nvPicPr>
+          <p:cNvPr id="7" name="图片 6">
+            <a:extLst>
+              <a:ext uri="{FF2B5EF4-FFF2-40B4-BE49-F238E27FC236}">
+                <a16:creationId xmlns:a16="http://schemas.microsoft.com/office/drawing/2014/main" id="{B15828F3-B9EF-4DEC-8298-029F309227B2}"/>
+              </a:ext>
+            </a:extLst>
+          </p:cNvPr>
+          <p:cNvPicPr>
+            <a:picLocks noChangeAspect="1"/>
+          </p:cNvPicPr>
+          <p:nvPr/>
+        </p:nvPicPr>
+        <p:blipFill>
+          <a:blip r:embed="rId3">
+            <a:extLst>
+              <a:ext uri="{28A0092B-C50C-407E-A947-70E740481C1C}">
+                <a14:useLocalDpi xmlns:a14="http://schemas.microsoft.com/office/drawing/2010/main" val="0"/>
+              </a:ext>
+            </a:extLst>
+          </a:blip>
+          <a:stretch>
+            <a:fillRect/>
+          </a:stretch>
+        </p:blipFill>
+        <p:spPr>
+          <a:xfrm>
+            <a:off x="452012" y="1802130"/>
+            <a:ext cx="11287976" cy="3684270"/>
+          </a:xfrm>
+          <a:prstGeom prst="rect">
+            <a:avLst/>
+          </a:prstGeom>
+        </p:spPr>
+      </p:pic>
     </p:spTree>
     <p:extLst>
       <p:ext uri="{BB962C8B-B14F-4D97-AF65-F5344CB8AC3E}">
-        <p14:creationId xmlns:p14="http://schemas.microsoft.com/office/powerpoint/2010/main" val="1018546089"/>
+        <p14:creationId xmlns:p14="http://schemas.microsoft.com/office/powerpoint/2010/main" val="3334003570"/>
       </p:ext>
     </p:extLst>
   </p:cSld>
@@ -6237,18 +5253,19 @@
           <a:lstStyle/>
           <a:p>
             <a:r>
-              <a:rPr lang="zh-CN" altLang="en-US" dirty="0"/>
-              <a:t>设计实现分析</a:t>
-            </a:r>
-          </a:p>
-        </p:txBody>
-      </p:sp>
-      <p:sp>
-        <p:nvSpPr>
-          <p:cNvPr id="6" name="内容占位符 5">
-            <a:extLst>
-              <a:ext uri="{FF2B5EF4-FFF2-40B4-BE49-F238E27FC236}">
-                <a16:creationId xmlns:a16="http://schemas.microsoft.com/office/drawing/2014/main" id="{B83E9AD4-C606-4679-B884-01F71CC97E44}"/>
+              <a:rPr lang="zh-CN" altLang="en-US"/>
+              <a:t>用户表字段与注册处理</a:t>
+            </a:r>
+            <a:endParaRPr lang="zh-CN" altLang="en-US" dirty="0"/>
+          </a:p>
+        </p:txBody>
+      </p:sp>
+      <p:sp>
+        <p:nvSpPr>
+          <p:cNvPr id="3" name="内容占位符 2">
+            <a:extLst>
+              <a:ext uri="{FF2B5EF4-FFF2-40B4-BE49-F238E27FC236}">
+                <a16:creationId xmlns:a16="http://schemas.microsoft.com/office/drawing/2014/main" id="{B385E8A3-9B56-4BD7-9B46-590E7FCBE734}"/>
               </a:ext>
             </a:extLst>
           </p:cNvPr>
@@ -6259,12 +5276,7 @@
             <p:ph idx="1"/>
           </p:nvPr>
         </p:nvSpPr>
-        <p:spPr>
-          <a:xfrm>
-            <a:off x="838200" y="1656500"/>
-            <a:ext cx="10515600" cy="4850832"/>
-          </a:xfrm>
-        </p:spPr>
+        <p:spPr/>
         <p:txBody>
           <a:bodyPr>
             <a:normAutofit/>
@@ -6272,59 +5284,184 @@
           <a:lstStyle/>
           <a:p>
             <a:r>
-              <a:rPr lang="zh-CN" altLang="en-US" sz="2000" dirty="0"/>
-              <a:t>因为服务要在后台运行，所以要创建守护进程。</a:t>
-            </a:r>
-            <a:endParaRPr lang="en-US" altLang="zh-CN" sz="2000" dirty="0"/>
-          </a:p>
-          <a:p>
-            <a:endParaRPr lang="en-US" altLang="zh-CN" sz="2000" dirty="0"/>
-          </a:p>
-          <a:p>
-            <a:r>
-              <a:rPr lang="zh-CN" altLang="en-US" sz="2000" dirty="0"/>
-              <a:t>要能够处理</a:t>
-            </a:r>
-            <a:r>
-              <a:rPr lang="en-US" altLang="zh-CN" sz="2000" dirty="0"/>
-              <a:t>SIGTERM</a:t>
-            </a:r>
-            <a:r>
-              <a:rPr lang="zh-CN" altLang="en-US" sz="2000" dirty="0"/>
-              <a:t>信号，捕获信号以后，清理</a:t>
-            </a:r>
-            <a:r>
-              <a:rPr lang="en-US" altLang="zh-CN" sz="2000" dirty="0" err="1"/>
-              <a:t>memcached</a:t>
-            </a:r>
-            <a:r>
-              <a:rPr lang="zh-CN" altLang="en-US" sz="2000" dirty="0"/>
-              <a:t>缓存数据，关闭连接。</a:t>
-            </a:r>
-            <a:endParaRPr lang="en-US" altLang="zh-CN" sz="2000" dirty="0"/>
-          </a:p>
-          <a:p>
-            <a:endParaRPr lang="en-US" altLang="zh-CN" sz="2000" dirty="0"/>
-          </a:p>
-          <a:p>
-            <a:r>
-              <a:rPr lang="zh-CN" altLang="en-US" sz="2000" dirty="0"/>
-              <a:t>服务端程序仅仅是做转发处理。</a:t>
-            </a:r>
-            <a:endParaRPr lang="en-US" altLang="zh-CN" sz="2000" dirty="0"/>
-          </a:p>
-          <a:p>
-            <a:endParaRPr lang="en-US" altLang="zh-CN" sz="1600" dirty="0"/>
-          </a:p>
-          <a:p>
-            <a:endParaRPr lang="en-US" altLang="zh-CN" sz="2000" dirty="0"/>
+              <a:rPr lang="zh-CN" altLang="en-US" sz="2400"/>
+              <a:t>用户表</a:t>
+            </a:r>
+            <a:r>
+              <a:rPr lang="en-US" altLang="zh-CN" sz="2400"/>
+              <a:t>username</a:t>
+            </a:r>
+            <a:r>
+              <a:rPr lang="zh-CN" altLang="en-US" sz="2400"/>
+              <a:t>字段标记为</a:t>
+            </a:r>
+            <a:r>
+              <a:rPr lang="en-US" altLang="zh-CN" sz="2400"/>
+              <a:t>unique</a:t>
+            </a:r>
+            <a:r>
+              <a:rPr lang="zh-CN" altLang="en-US" sz="2400"/>
+              <a:t>，禁止重复的值。</a:t>
+            </a:r>
+            <a:endParaRPr lang="en-US" altLang="zh-CN" sz="2400"/>
+          </a:p>
+          <a:p>
+            <a:r>
+              <a:rPr lang="zh-CN" altLang="en-US" sz="2400"/>
+              <a:t>但程序处理过程在</a:t>
+            </a:r>
+            <a:r>
+              <a:rPr lang="en-US" altLang="zh-CN" sz="2400"/>
+              <a:t>insert</a:t>
+            </a:r>
+            <a:r>
+              <a:rPr lang="zh-CN" altLang="en-US" sz="2400"/>
+              <a:t>之前仍然进行了查询确认。实际上此操作可以省略。因为并不能保证</a:t>
+            </a:r>
+            <a:r>
+              <a:rPr lang="en-US" altLang="zh-CN" sz="2400"/>
+              <a:t>username</a:t>
+            </a:r>
+            <a:r>
+              <a:rPr lang="zh-CN" altLang="en-US" sz="2400"/>
+              <a:t>的唯一性。仅仅依靠程序处理会出现问题：</a:t>
+            </a:r>
+            <a:endParaRPr lang="en-US" altLang="zh-CN" sz="2400"/>
+          </a:p>
+          <a:p>
+            <a:pPr marL="457200" lvl="1" indent="0">
+              <a:buNone/>
+            </a:pPr>
+            <a:r>
+              <a:rPr lang="zh-CN" altLang="en-US" sz="2000"/>
+              <a:t>假设两个用户</a:t>
+            </a:r>
+            <a:r>
+              <a:rPr lang="en-US" altLang="zh-CN" sz="2000"/>
+              <a:t>A</a:t>
+            </a:r>
+            <a:r>
+              <a:rPr lang="zh-CN" altLang="en-US" sz="2000"/>
+              <a:t>，</a:t>
+            </a:r>
+            <a:r>
+              <a:rPr lang="en-US" altLang="zh-CN" sz="2000"/>
+              <a:t>B</a:t>
+            </a:r>
+            <a:r>
+              <a:rPr lang="zh-CN" altLang="en-US" sz="2000"/>
+              <a:t>都要注册，相同的用户名，并且几乎是同时注册。并且当前还有其他请求处理，此时发生在服务器端的情况就是多个进程处理请求，而处理器要轮流执行每个进程。</a:t>
+            </a:r>
+            <a:endParaRPr lang="en-US" altLang="zh-CN" sz="2000"/>
+          </a:p>
+          <a:p>
+            <a:pPr marL="457200" lvl="1" indent="0">
+              <a:buNone/>
+            </a:pPr>
+            <a:endParaRPr lang="en-US" altLang="zh-CN" sz="2000"/>
+          </a:p>
+          <a:p>
+            <a:pPr marL="457200" lvl="1" indent="0">
+              <a:buNone/>
+            </a:pPr>
+            <a:r>
+              <a:rPr lang="zh-CN" altLang="en-US" sz="2000"/>
+              <a:t>如果其中</a:t>
+            </a:r>
+            <a:r>
+              <a:rPr lang="en-US" altLang="zh-CN" sz="2000"/>
+              <a:t>A</a:t>
+            </a:r>
+            <a:r>
+              <a:rPr lang="zh-CN" altLang="en-US" sz="2000"/>
+              <a:t>用户注册处理进程查询完发现用户名不存在，但此时程序挂起，</a:t>
+            </a:r>
+            <a:r>
+              <a:rPr lang="en-US" altLang="zh-CN" sz="2000"/>
+              <a:t>B</a:t>
+            </a:r>
+            <a:r>
+              <a:rPr lang="zh-CN" altLang="en-US" sz="2000"/>
+              <a:t>用户注册进程执行，查询发现用户不存在，此时</a:t>
+            </a:r>
+            <a:r>
+              <a:rPr lang="en-US" altLang="zh-CN" sz="2000"/>
+              <a:t>A</a:t>
+            </a:r>
+            <a:r>
+              <a:rPr lang="zh-CN" altLang="en-US" sz="2000"/>
+              <a:t>进程也可以继续执行，这时候</a:t>
+            </a:r>
+            <a:r>
+              <a:rPr lang="en-US" altLang="zh-CN" sz="2000"/>
+              <a:t>A</a:t>
+            </a:r>
+            <a:r>
+              <a:rPr lang="zh-CN" altLang="en-US" sz="2000"/>
+              <a:t>，</a:t>
+            </a:r>
+            <a:r>
+              <a:rPr lang="en-US" altLang="zh-CN" sz="2000"/>
+              <a:t>B</a:t>
+            </a:r>
+            <a:r>
+              <a:rPr lang="zh-CN" altLang="en-US" sz="2000"/>
+              <a:t>用户注册请求的处理进程都会执行</a:t>
+            </a:r>
+            <a:r>
+              <a:rPr lang="en-US" altLang="zh-CN" sz="2000"/>
+              <a:t>insert</a:t>
+            </a:r>
+            <a:r>
+              <a:rPr lang="zh-CN" altLang="en-US" sz="2000"/>
+              <a:t>操作，就会出现</a:t>
+            </a:r>
+            <a:r>
+              <a:rPr lang="en-US" altLang="zh-CN" sz="2000"/>
+              <a:t>username</a:t>
+            </a:r>
+            <a:r>
+              <a:rPr lang="zh-CN" altLang="en-US" sz="2000"/>
+              <a:t>重复。</a:t>
+            </a:r>
+            <a:endParaRPr lang="en-US" altLang="zh-CN" sz="2000"/>
+          </a:p>
+          <a:p>
+            <a:r>
+              <a:rPr lang="zh-CN" altLang="en-US" sz="2400"/>
+              <a:t>在本机并发测试发现，即使不设置</a:t>
+            </a:r>
+            <a:r>
+              <a:rPr lang="en-US" altLang="zh-CN" sz="2400"/>
+              <a:t>unique</a:t>
+            </a:r>
+            <a:r>
+              <a:rPr lang="zh-CN" altLang="en-US" sz="2400"/>
+              <a:t>属性，通过程序处理也很难出现</a:t>
+            </a:r>
+            <a:r>
+              <a:rPr lang="en-US" altLang="zh-CN" sz="2400"/>
+              <a:t>username</a:t>
+            </a:r>
+            <a:r>
+              <a:rPr lang="zh-CN" altLang="en-US" sz="2400"/>
+              <a:t>重复的情况，每次请求处理不超过</a:t>
+            </a:r>
+            <a:r>
+              <a:rPr lang="en-US" altLang="zh-CN" sz="2400"/>
+              <a:t>20ms</a:t>
+            </a:r>
+            <a:r>
+              <a:rPr lang="zh-CN" altLang="en-US" sz="2400"/>
+              <a:t>，但实际场景高并发情况下，如果数据库压力过大就不能保证程序正常运行。</a:t>
+            </a:r>
           </a:p>
         </p:txBody>
       </p:sp>
     </p:spTree>
     <p:extLst>
       <p:ext uri="{BB962C8B-B14F-4D97-AF65-F5344CB8AC3E}">
-        <p14:creationId xmlns:p14="http://schemas.microsoft.com/office/powerpoint/2010/main" val="3334003570"/>
+        <p14:creationId xmlns:p14="http://schemas.microsoft.com/office/powerpoint/2010/main" val="1696272694"/>
       </p:ext>
     </p:extLst>
   </p:cSld>
@@ -6374,113 +5511,91 @@
           </a:xfrm>
         </p:spPr>
         <p:txBody>
+          <a:bodyPr/>
+          <a:lstStyle/>
+          <a:p>
+            <a:r>
+              <a:rPr lang="zh-CN" altLang="en-US"/>
+              <a:t>注册流程</a:t>
+            </a:r>
+            <a:endParaRPr lang="zh-CN" altLang="en-US" dirty="0"/>
+          </a:p>
+        </p:txBody>
+      </p:sp>
+      <p:sp>
+        <p:nvSpPr>
+          <p:cNvPr id="3" name="内容占位符 2">
+            <a:extLst>
+              <a:ext uri="{FF2B5EF4-FFF2-40B4-BE49-F238E27FC236}">
+                <a16:creationId xmlns:a16="http://schemas.microsoft.com/office/drawing/2014/main" id="{6E16C1C4-6E3D-483D-B856-0676028106F1}"/>
+              </a:ext>
+            </a:extLst>
+          </p:cNvPr>
+          <p:cNvSpPr>
+            <a:spLocks noGrp="1"/>
+          </p:cNvSpPr>
+          <p:nvPr>
+            <p:ph idx="1"/>
+          </p:nvPr>
+        </p:nvSpPr>
+        <p:spPr/>
+        <p:txBody>
           <a:bodyPr>
             <a:normAutofit/>
           </a:bodyPr>
           <a:lstStyle/>
           <a:p>
             <a:r>
-              <a:rPr lang="zh-CN" altLang="en-US" dirty="0"/>
-              <a:t>初始化操作</a:t>
-            </a:r>
-          </a:p>
-        </p:txBody>
-      </p:sp>
-      <p:sp>
-        <p:nvSpPr>
-          <p:cNvPr id="6" name="内容占位符 5">
-            <a:extLst>
-              <a:ext uri="{FF2B5EF4-FFF2-40B4-BE49-F238E27FC236}">
-                <a16:creationId xmlns:a16="http://schemas.microsoft.com/office/drawing/2014/main" id="{B83E9AD4-C606-4679-B884-01F71CC97E44}"/>
-              </a:ext>
-            </a:extLst>
-          </p:cNvPr>
-          <p:cNvSpPr>
-            <a:spLocks noGrp="1"/>
-          </p:cNvSpPr>
-          <p:nvPr>
-            <p:ph idx="1"/>
-          </p:nvPr>
-        </p:nvSpPr>
-        <p:spPr>
-          <a:xfrm>
-            <a:off x="838200" y="1656500"/>
-            <a:ext cx="10515600" cy="4850832"/>
-          </a:xfrm>
-        </p:spPr>
-        <p:txBody>
-          <a:bodyPr>
-            <a:normAutofit/>
-          </a:bodyPr>
-          <a:lstStyle/>
-          <a:p>
-            <a:r>
-              <a:rPr lang="zh-CN" altLang="en-US" sz="2000" dirty="0"/>
-              <a:t>开启</a:t>
-            </a:r>
-            <a:r>
-              <a:rPr lang="en-US" altLang="zh-CN" sz="2000" dirty="0"/>
-              <a:t>Memcached</a:t>
-            </a:r>
-            <a:r>
-              <a:rPr lang="zh-CN" altLang="en-US" sz="2000" dirty="0"/>
-              <a:t>连接，并初始化</a:t>
-            </a:r>
-            <a:r>
-              <a:rPr lang="en-US" altLang="zh-CN" sz="2000" dirty="0" err="1"/>
-              <a:t>websocket_server</a:t>
-            </a:r>
-            <a:r>
-              <a:rPr lang="zh-CN" altLang="en-US" sz="2000" dirty="0"/>
-              <a:t>对象。</a:t>
-            </a:r>
-            <a:endParaRPr lang="en-US" altLang="zh-CN" sz="2000" dirty="0"/>
-          </a:p>
-          <a:p>
-            <a:endParaRPr lang="en-US" altLang="zh-CN" sz="2000" dirty="0"/>
-          </a:p>
-        </p:txBody>
-      </p:sp>
-      <p:pic>
-        <p:nvPicPr>
-          <p:cNvPr id="3" name="图片 2">
-            <a:extLst>
-              <a:ext uri="{FF2B5EF4-FFF2-40B4-BE49-F238E27FC236}">
-                <a16:creationId xmlns:a16="http://schemas.microsoft.com/office/drawing/2014/main" id="{706F0ADE-08A5-43F4-A948-BB37EA568B97}"/>
-              </a:ext>
-            </a:extLst>
-          </p:cNvPr>
-          <p:cNvPicPr>
-            <a:picLocks noChangeAspect="1"/>
-          </p:cNvPicPr>
-          <p:nvPr/>
-        </p:nvPicPr>
-        <p:blipFill>
-          <a:blip r:embed="rId3">
-            <a:extLst>
-              <a:ext uri="{28A0092B-C50C-407E-A947-70E740481C1C}">
-                <a14:useLocalDpi xmlns:a14="http://schemas.microsoft.com/office/drawing/2010/main" val="0"/>
-              </a:ext>
-            </a:extLst>
-          </a:blip>
-          <a:stretch>
-            <a:fillRect/>
-          </a:stretch>
-        </p:blipFill>
-        <p:spPr>
-          <a:xfrm>
-            <a:off x="906780" y="2489336"/>
-            <a:ext cx="10447020" cy="3185160"/>
-          </a:xfrm>
-          <a:prstGeom prst="rect">
-            <a:avLst/>
-          </a:prstGeom>
-        </p:spPr>
-      </p:pic>
+              <a:rPr lang="zh-CN" altLang="en-US" sz="2400"/>
+              <a:t>注册仅仅</a:t>
+            </a:r>
+            <a:r>
+              <a:rPr lang="en-US" altLang="zh-CN" sz="2400"/>
+              <a:t>POST</a:t>
+            </a:r>
+            <a:r>
+              <a:rPr lang="zh-CN" altLang="en-US" sz="2400"/>
+              <a:t>提交用户名和密码即可，用户名是未注册的。并且要求是字母和数字。</a:t>
+            </a:r>
+            <a:endParaRPr lang="en-US" altLang="zh-CN" sz="2400"/>
+          </a:p>
+          <a:p>
+            <a:endParaRPr lang="en-US" altLang="zh-CN" sz="2400"/>
+          </a:p>
+          <a:p>
+            <a:r>
+              <a:rPr lang="zh-CN" altLang="en-US" sz="2400"/>
+              <a:t>用户信息在注册以后通过其他接口进行设置。</a:t>
+            </a:r>
+            <a:endParaRPr lang="en-US" altLang="zh-CN" sz="2400"/>
+          </a:p>
+          <a:p>
+            <a:endParaRPr lang="en-US" altLang="zh-CN" sz="2400"/>
+          </a:p>
+          <a:p>
+            <a:r>
+              <a:rPr lang="zh-CN" altLang="en-US" sz="2400"/>
+              <a:t>注册密码使用</a:t>
+            </a:r>
+            <a:r>
+              <a:rPr lang="en-US" altLang="zh-CN" sz="2400"/>
+              <a:t>hash</a:t>
+            </a:r>
+            <a:r>
+              <a:rPr lang="zh-CN" altLang="en-US" sz="2400"/>
+              <a:t>加密后写入到数据库。</a:t>
+            </a:r>
+            <a:endParaRPr lang="en-US" altLang="zh-CN" sz="2400"/>
+          </a:p>
+          <a:p>
+            <a:endParaRPr lang="en-US" altLang="zh-CN" sz="2400" dirty="0"/>
+          </a:p>
+        </p:txBody>
+      </p:sp>
     </p:spTree>
     <p:extLst>
       <p:ext uri="{BB962C8B-B14F-4D97-AF65-F5344CB8AC3E}">
-        <p14:creationId xmlns:p14="http://schemas.microsoft.com/office/powerpoint/2010/main" val="2597762662"/>
+        <p14:creationId xmlns:p14="http://schemas.microsoft.com/office/powerpoint/2010/main" val="1643127994"/>
       </p:ext>
     </p:extLst>
   </p:cSld>
@@ -6530,344 +5645,185 @@
           </a:xfrm>
         </p:spPr>
         <p:txBody>
-          <a:bodyPr/>
-          <a:lstStyle/>
-          <a:p>
-            <a:r>
-              <a:rPr lang="zh-CN" altLang="en-US" dirty="0"/>
-              <a:t>握手连接建立后：</a:t>
-            </a:r>
-            <a:r>
-              <a:rPr lang="en-US" altLang="zh-CN" dirty="0" err="1"/>
-              <a:t>onOpen</a:t>
-            </a:r>
-            <a:r>
-              <a:rPr lang="zh-CN" altLang="en-US" dirty="0"/>
-              <a:t>事件</a:t>
-            </a:r>
-          </a:p>
-        </p:txBody>
-      </p:sp>
-      <p:sp>
-        <p:nvSpPr>
-          <p:cNvPr id="6" name="内容占位符 5">
-            <a:extLst>
-              <a:ext uri="{FF2B5EF4-FFF2-40B4-BE49-F238E27FC236}">
-                <a16:creationId xmlns:a16="http://schemas.microsoft.com/office/drawing/2014/main" id="{B83E9AD4-C606-4679-B884-01F71CC97E44}"/>
-              </a:ext>
-            </a:extLst>
-          </p:cNvPr>
-          <p:cNvSpPr>
-            <a:spLocks noGrp="1"/>
-          </p:cNvSpPr>
-          <p:nvPr>
-            <p:ph idx="1"/>
-          </p:nvPr>
-        </p:nvSpPr>
-        <p:spPr>
-          <a:xfrm>
-            <a:off x="838200" y="1656500"/>
-            <a:ext cx="10515600" cy="4850832"/>
-          </a:xfrm>
-        </p:spPr>
-        <p:txBody>
           <a:bodyPr>
             <a:normAutofit/>
           </a:bodyPr>
           <a:lstStyle/>
           <a:p>
             <a:r>
-              <a:rPr lang="zh-CN" altLang="en-US" sz="2000" dirty="0"/>
-              <a:t>连接建立后要把连接信息加入到</a:t>
-            </a:r>
-            <a:r>
-              <a:rPr lang="en-US" altLang="zh-CN" sz="2000" dirty="0"/>
+              <a:rPr lang="zh-CN" altLang="en-US"/>
+              <a:t>登录过程</a:t>
+            </a:r>
+            <a:endParaRPr lang="zh-CN" altLang="en-US" dirty="0"/>
+          </a:p>
+        </p:txBody>
+      </p:sp>
+      <p:sp>
+        <p:nvSpPr>
+          <p:cNvPr id="6" name="内容占位符 5">
+            <a:extLst>
+              <a:ext uri="{FF2B5EF4-FFF2-40B4-BE49-F238E27FC236}">
+                <a16:creationId xmlns:a16="http://schemas.microsoft.com/office/drawing/2014/main" id="{B83E9AD4-C606-4679-B884-01F71CC97E44}"/>
+              </a:ext>
+            </a:extLst>
+          </p:cNvPr>
+          <p:cNvSpPr>
+            <a:spLocks noGrp="1"/>
+          </p:cNvSpPr>
+          <p:nvPr>
+            <p:ph idx="1"/>
+          </p:nvPr>
+        </p:nvSpPr>
+        <p:spPr>
+          <a:xfrm>
+            <a:off x="838200" y="1656500"/>
+            <a:ext cx="10515600" cy="4850832"/>
+          </a:xfrm>
+        </p:spPr>
+        <p:txBody>
+          <a:bodyPr>
+            <a:normAutofit/>
+          </a:bodyPr>
+          <a:lstStyle/>
+          <a:p>
+            <a:r>
+              <a:rPr lang="zh-CN" altLang="en-US" sz="2400"/>
+              <a:t>登录过程使用了</a:t>
+            </a:r>
+            <a:r>
+              <a:rPr lang="en-US" altLang="zh-CN" sz="2400"/>
               <a:t>Memcached</a:t>
             </a:r>
             <a:r>
-              <a:rPr lang="zh-CN" altLang="en-US" sz="2000" dirty="0"/>
-              <a:t>缓存。并返回一条提示信息。</a:t>
-            </a:r>
+              <a:rPr lang="zh-CN" altLang="en-US" sz="2400"/>
+              <a:t>存储信息，而不是使用</a:t>
+            </a:r>
+            <a:r>
+              <a:rPr lang="en-US" altLang="zh-CN" sz="2400"/>
+              <a:t>Session</a:t>
+            </a:r>
+            <a:r>
+              <a:rPr lang="zh-CN" altLang="en-US" sz="2400"/>
+              <a:t>。其目的在于会话管理与程序分离，会话管理可以和程序在同一台服务器也可以单独一台服务器。</a:t>
+            </a:r>
+            <a:endParaRPr lang="en-US" altLang="zh-CN" sz="2400"/>
+          </a:p>
+          <a:p>
+            <a:endParaRPr lang="en-US" altLang="zh-CN" sz="2400"/>
+          </a:p>
+          <a:p>
+            <a:r>
+              <a:rPr lang="zh-CN" altLang="en-US" sz="2400"/>
+              <a:t>登录使用的是</a:t>
+            </a:r>
+            <a:r>
+              <a:rPr lang="en-US" altLang="zh-CN" sz="2400"/>
+              <a:t>token</a:t>
+            </a:r>
+            <a:r>
+              <a:rPr lang="zh-CN" altLang="en-US" sz="2400"/>
+              <a:t>机制，用户登录成功后返回的是用户信息的加密数据，使用</a:t>
+            </a:r>
+            <a:r>
+              <a:rPr lang="en-US" altLang="zh-CN" sz="2400"/>
+              <a:t>openssl_encrypt</a:t>
+            </a:r>
+            <a:r>
+              <a:rPr lang="zh-CN" altLang="en-US" sz="2400"/>
+              <a:t>加密序列化后的用户信息，并作为</a:t>
+            </a:r>
+            <a:r>
+              <a:rPr lang="en-US" altLang="zh-CN" sz="2400"/>
+              <a:t>user_token</a:t>
+            </a:r>
+            <a:r>
+              <a:rPr lang="zh-CN" altLang="en-US" sz="2400"/>
+              <a:t>返回，而加密密钥是每次根据登录时间和一个随机数生成的，所以要把此密钥存储到</a:t>
+            </a:r>
+            <a:r>
+              <a:rPr lang="en-US" altLang="zh-CN" sz="2400"/>
+              <a:t>Memcached</a:t>
+            </a:r>
+            <a:r>
+              <a:rPr lang="zh-CN" altLang="en-US" sz="2400"/>
+              <a:t>，使用</a:t>
+            </a:r>
+            <a:r>
+              <a:rPr lang="en-US" altLang="zh-CN" sz="2400"/>
+              <a:t>md5(user_token) </a:t>
+            </a:r>
+            <a:r>
+              <a:rPr lang="zh-CN" altLang="en-US" sz="2400"/>
+              <a:t>作为索引，并把用户名作为索引存储</a:t>
+            </a:r>
+            <a:r>
+              <a:rPr lang="en-US" altLang="zh-CN" sz="2400"/>
+              <a:t>md5(user_token)</a:t>
+            </a:r>
+            <a:r>
+              <a:rPr lang="zh-CN" altLang="en-US" sz="2400"/>
+              <a:t>。</a:t>
+            </a:r>
+            <a:endParaRPr lang="en-US" altLang="zh-CN" sz="2400"/>
+          </a:p>
+          <a:p>
+            <a:endParaRPr lang="en-US" altLang="zh-CN" sz="2400"/>
+          </a:p>
+          <a:p>
+            <a:r>
+              <a:rPr lang="zh-CN" altLang="en-US" sz="2400"/>
+              <a:t>用户访问需要权限的接口，提交</a:t>
+            </a:r>
+            <a:r>
+              <a:rPr lang="en-US" altLang="zh-CN" sz="2400"/>
+              <a:t>user_token</a:t>
+            </a:r>
+            <a:r>
+              <a:rPr lang="zh-CN" altLang="en-US" sz="2400"/>
+              <a:t>，程序通过</a:t>
+            </a:r>
+            <a:r>
+              <a:rPr lang="en-US" altLang="zh-CN" sz="2400"/>
+              <a:t>md5(user_token)</a:t>
+            </a:r>
+            <a:r>
+              <a:rPr lang="zh-CN" altLang="en-US" sz="2400"/>
+              <a:t>获取加密密钥使用</a:t>
+            </a:r>
+            <a:r>
+              <a:rPr lang="en-US" altLang="zh-CN" sz="2400"/>
+              <a:t>openssl_decrypt</a:t>
+            </a:r>
+            <a:r>
+              <a:rPr lang="zh-CN" altLang="en-US" sz="2400"/>
+              <a:t>解密。</a:t>
+            </a:r>
+            <a:endParaRPr lang="en-US" altLang="zh-CN" sz="2400" dirty="0"/>
+          </a:p>
+          <a:p>
             <a:endParaRPr lang="en-US" altLang="zh-CN" sz="2000" dirty="0"/>
           </a:p>
           <a:p>
             <a:endParaRPr lang="en-US" altLang="zh-CN" sz="2000" dirty="0"/>
           </a:p>
-        </p:txBody>
-      </p:sp>
-      <p:pic>
-        <p:nvPicPr>
-          <p:cNvPr id="3" name="图片 2">
-            <a:extLst>
-              <a:ext uri="{FF2B5EF4-FFF2-40B4-BE49-F238E27FC236}">
-                <a16:creationId xmlns:a16="http://schemas.microsoft.com/office/drawing/2014/main" id="{6BDEBD57-88D6-429D-8BE1-9D9089B47914}"/>
-              </a:ext>
-            </a:extLst>
-          </p:cNvPr>
-          <p:cNvPicPr>
-            <a:picLocks noChangeAspect="1"/>
-          </p:cNvPicPr>
-          <p:nvPr/>
-        </p:nvPicPr>
-        <p:blipFill>
-          <a:blip r:embed="rId3">
-            <a:extLst>
-              <a:ext uri="{28A0092B-C50C-407E-A947-70E740481C1C}">
-                <a14:useLocalDpi xmlns:a14="http://schemas.microsoft.com/office/drawing/2010/main" val="0"/>
-              </a:ext>
-            </a:extLst>
-          </a:blip>
-          <a:stretch>
-            <a:fillRect/>
-          </a:stretch>
-        </p:blipFill>
-        <p:spPr>
-          <a:xfrm>
-            <a:off x="838199" y="2100160"/>
-            <a:ext cx="10485659" cy="3395118"/>
-          </a:xfrm>
-          <a:prstGeom prst="rect">
-            <a:avLst/>
-          </a:prstGeom>
-        </p:spPr>
-      </p:pic>
+          <a:p>
+            <a:endParaRPr lang="en-US" altLang="zh-CN" sz="2000" dirty="0"/>
+          </a:p>
+          <a:p>
+            <a:pPr marL="0" indent="0">
+              <a:buNone/>
+            </a:pPr>
+            <a:endParaRPr lang="en-US" altLang="zh-CN" sz="2000" dirty="0"/>
+          </a:p>
+          <a:p>
+            <a:endParaRPr lang="en-US" altLang="zh-CN" sz="2000" dirty="0"/>
+          </a:p>
+        </p:txBody>
+      </p:sp>
     </p:spTree>
     <p:extLst>
       <p:ext uri="{BB962C8B-B14F-4D97-AF65-F5344CB8AC3E}">
-        <p14:creationId xmlns:p14="http://schemas.microsoft.com/office/powerpoint/2010/main" val="1284186908"/>
-      </p:ext>
-    </p:extLst>
-  </p:cSld>
-  <p:clrMapOvr>
-    <a:masterClrMapping/>
-  </p:clrMapOvr>
-</p:sld>
-</file>
-
-<file path=ppt/slides/slide8.xml><?xml version="1.0" encoding="utf-8"?>
-<p:sld xmlns:a="http://schemas.openxmlformats.org/drawingml/2006/main" xmlns:r="http://schemas.openxmlformats.org/officeDocument/2006/relationships" xmlns:p="http://schemas.openxmlformats.org/presentationml/2006/main">
-  <p:cSld>
-    <p:spTree>
-      <p:nvGrpSpPr>
-        <p:cNvPr id="1" name=""/>
-        <p:cNvGrpSpPr/>
-        <p:nvPr/>
-      </p:nvGrpSpPr>
-      <p:grpSpPr>
-        <a:xfrm>
-          <a:off x="0" y="0"/>
-          <a:ext cx="0" cy="0"/>
-          <a:chOff x="0" y="0"/>
-          <a:chExt cx="0" cy="0"/>
-        </a:xfrm>
-      </p:grpSpPr>
-      <p:sp>
-        <p:nvSpPr>
-          <p:cNvPr id="4" name="标题 3">
-            <a:extLst>
-              <a:ext uri="{FF2B5EF4-FFF2-40B4-BE49-F238E27FC236}">
-                <a16:creationId xmlns:a16="http://schemas.microsoft.com/office/drawing/2014/main" id="{2729939D-814A-4BD2-9922-3F8EA865938B}"/>
-              </a:ext>
-            </a:extLst>
-          </p:cNvPr>
-          <p:cNvSpPr>
-            <a:spLocks noGrp="1"/>
-          </p:cNvSpPr>
-          <p:nvPr>
-            <p:ph type="title"/>
-          </p:nvPr>
-        </p:nvSpPr>
-        <p:spPr>
-          <a:xfrm>
-            <a:off x="838200" y="683581"/>
-            <a:ext cx="10515600" cy="736846"/>
-          </a:xfrm>
-        </p:spPr>
-        <p:txBody>
-          <a:bodyPr/>
-          <a:lstStyle/>
-          <a:p>
-            <a:r>
-              <a:rPr lang="zh-CN" altLang="en-US" dirty="0"/>
-              <a:t>收到信息：</a:t>
-            </a:r>
-            <a:r>
-              <a:rPr lang="en-US" altLang="zh-CN" dirty="0" err="1"/>
-              <a:t>onMessage</a:t>
-            </a:r>
-            <a:r>
-              <a:rPr lang="zh-CN" altLang="en-US" dirty="0"/>
-              <a:t>事件</a:t>
-            </a:r>
-          </a:p>
-        </p:txBody>
-      </p:sp>
-      <p:sp>
-        <p:nvSpPr>
-          <p:cNvPr id="3" name="内容占位符 2">
-            <a:extLst>
-              <a:ext uri="{FF2B5EF4-FFF2-40B4-BE49-F238E27FC236}">
-                <a16:creationId xmlns:a16="http://schemas.microsoft.com/office/drawing/2014/main" id="{6E16C1C4-6E3D-483D-B856-0676028106F1}"/>
-              </a:ext>
-            </a:extLst>
-          </p:cNvPr>
-          <p:cNvSpPr>
-            <a:spLocks noGrp="1"/>
-          </p:cNvSpPr>
-          <p:nvPr>
-            <p:ph idx="1"/>
-          </p:nvPr>
-        </p:nvSpPr>
-        <p:spPr/>
-        <p:txBody>
-          <a:bodyPr>
-            <a:normAutofit/>
-          </a:bodyPr>
-          <a:lstStyle/>
-          <a:p>
-            <a:r>
-              <a:rPr lang="zh-CN" altLang="en-US" sz="2000" dirty="0"/>
-              <a:t>获取用户发送的数据。并判断如果数据为空则不转发。</a:t>
-            </a:r>
-            <a:endParaRPr lang="en-US" altLang="zh-CN" sz="2000" dirty="0"/>
-          </a:p>
-          <a:p>
-            <a:r>
-              <a:rPr lang="zh-CN" altLang="en-US" sz="2000" dirty="0"/>
-              <a:t>生成要发送的消息。</a:t>
-            </a:r>
-            <a:endParaRPr lang="en-US" altLang="zh-CN" sz="2000" dirty="0"/>
-          </a:p>
-          <a:p>
-            <a:r>
-              <a:rPr lang="zh-CN" altLang="en-US" sz="2000" dirty="0"/>
-              <a:t>从</a:t>
-            </a:r>
-            <a:r>
-              <a:rPr lang="en-US" altLang="zh-CN" sz="2000" dirty="0"/>
-              <a:t>Memcached</a:t>
-            </a:r>
-            <a:r>
-              <a:rPr lang="zh-CN" altLang="en-US" sz="2000" dirty="0"/>
-              <a:t>获取保存的所有连接，并判断如果不是当前连接则进行转发。</a:t>
-            </a:r>
-            <a:endParaRPr lang="en-US" altLang="zh-CN" sz="2000" dirty="0"/>
-          </a:p>
-          <a:p>
-            <a:endParaRPr lang="en-US" altLang="zh-CN" sz="2000" dirty="0"/>
-          </a:p>
-        </p:txBody>
-      </p:sp>
-    </p:spTree>
-    <p:extLst>
-      <p:ext uri="{BB962C8B-B14F-4D97-AF65-F5344CB8AC3E}">
-        <p14:creationId xmlns:p14="http://schemas.microsoft.com/office/powerpoint/2010/main" val="1643127994"/>
-      </p:ext>
-    </p:extLst>
-  </p:cSld>
-  <p:clrMapOvr>
-    <a:masterClrMapping/>
-  </p:clrMapOvr>
-</p:sld>
-</file>
-
-<file path=ppt/slides/slide9.xml><?xml version="1.0" encoding="utf-8"?>
-<p:sld xmlns:a="http://schemas.openxmlformats.org/drawingml/2006/main" xmlns:r="http://schemas.openxmlformats.org/officeDocument/2006/relationships" xmlns:p="http://schemas.openxmlformats.org/presentationml/2006/main">
-  <p:cSld>
-    <p:spTree>
-      <p:nvGrpSpPr>
-        <p:cNvPr id="1" name=""/>
-        <p:cNvGrpSpPr/>
-        <p:nvPr/>
-      </p:nvGrpSpPr>
-      <p:grpSpPr>
-        <a:xfrm>
-          <a:off x="0" y="0"/>
-          <a:ext cx="0" cy="0"/>
-          <a:chOff x="0" y="0"/>
-          <a:chExt cx="0" cy="0"/>
-        </a:xfrm>
-      </p:grpSpPr>
-      <p:sp>
-        <p:nvSpPr>
-          <p:cNvPr id="4" name="标题 3">
-            <a:extLst>
-              <a:ext uri="{FF2B5EF4-FFF2-40B4-BE49-F238E27FC236}">
-                <a16:creationId xmlns:a16="http://schemas.microsoft.com/office/drawing/2014/main" id="{2729939D-814A-4BD2-9922-3F8EA865938B}"/>
-              </a:ext>
-            </a:extLst>
-          </p:cNvPr>
-          <p:cNvSpPr>
-            <a:spLocks noGrp="1"/>
-          </p:cNvSpPr>
-          <p:nvPr>
-            <p:ph type="title"/>
-          </p:nvPr>
-        </p:nvSpPr>
-        <p:spPr>
-          <a:xfrm>
-            <a:off x="838200" y="683581"/>
-            <a:ext cx="10515600" cy="736846"/>
-          </a:xfrm>
-        </p:spPr>
-        <p:txBody>
-          <a:bodyPr/>
-          <a:lstStyle/>
-          <a:p>
-            <a:r>
-              <a:rPr lang="zh-CN" altLang="en-US" dirty="0"/>
-              <a:t>收到信息：</a:t>
-            </a:r>
-            <a:r>
-              <a:rPr lang="en-US" altLang="zh-CN" dirty="0" err="1"/>
-              <a:t>onMessage</a:t>
-            </a:r>
-            <a:r>
-              <a:rPr lang="zh-CN" altLang="en-US" dirty="0"/>
-              <a:t>事件代码示例</a:t>
-            </a:r>
-          </a:p>
-        </p:txBody>
-      </p:sp>
-      <p:pic>
-        <p:nvPicPr>
-          <p:cNvPr id="5" name="内容占位符 4">
-            <a:extLst>
-              <a:ext uri="{FF2B5EF4-FFF2-40B4-BE49-F238E27FC236}">
-                <a16:creationId xmlns:a16="http://schemas.microsoft.com/office/drawing/2014/main" id="{7EAEEAE3-CB2B-4A87-B304-E5025210B7AE}"/>
-              </a:ext>
-            </a:extLst>
-          </p:cNvPr>
-          <p:cNvPicPr>
-            <a:picLocks noGrp="1" noChangeAspect="1"/>
-          </p:cNvPicPr>
-          <p:nvPr>
-            <p:ph idx="1"/>
-          </p:nvPr>
-        </p:nvPicPr>
-        <p:blipFill>
-          <a:blip r:embed="rId3">
-            <a:extLst>
-              <a:ext uri="{28A0092B-C50C-407E-A947-70E740481C1C}">
-                <a14:useLocalDpi xmlns:a14="http://schemas.microsoft.com/office/drawing/2010/main" val="0"/>
-              </a:ext>
-            </a:extLst>
-          </a:blip>
-          <a:stretch>
-            <a:fillRect/>
-          </a:stretch>
-        </p:blipFill>
-        <p:spPr>
-          <a:xfrm>
-            <a:off x="838200" y="1602497"/>
-            <a:ext cx="9116425" cy="5255503"/>
-          </a:xfrm>
-        </p:spPr>
-      </p:pic>
-    </p:spTree>
-    <p:extLst>
-      <p:ext uri="{BB962C8B-B14F-4D97-AF65-F5344CB8AC3E}">
-        <p14:creationId xmlns:p14="http://schemas.microsoft.com/office/powerpoint/2010/main" val="446600821"/>
+        <p14:creationId xmlns:p14="http://schemas.microsoft.com/office/powerpoint/2010/main" val="1018546089"/>
       </p:ext>
     </p:extLst>
   </p:cSld>
@@ -6918,110 +5874,16 @@
         <a:srgbClr val="954F72"/>
       </a:folHlink>
     </a:clrScheme>
-    <a:fontScheme name="Office">
+    <a:fontScheme name="自定义 4">
       <a:majorFont>
-        <a:latin typeface="等线 Light" panose="020F0302020204030204"/>
-        <a:ea typeface=""/>
+        <a:latin typeface="Roboto Mono Light"/>
+        <a:ea typeface="等线 Light"/>
         <a:cs typeface=""/>
-        <a:font script="Jpan" typeface="游ゴシック Light"/>
-        <a:font script="Hang" typeface="맑은 고딕"/>
-        <a:font script="Hans" typeface="等线 Light"/>
-        <a:font script="Hant" typeface="新細明體"/>
-        <a:font script="Arab" typeface="Times New Roman"/>
-        <a:font script="Hebr" typeface="Times New Roman"/>
-        <a:font script="Thai" typeface="Angsana New"/>
-        <a:font script="Ethi" typeface="Nyala"/>
-        <a:font script="Beng" typeface="Vrinda"/>
-        <a:font script="Gujr" typeface="Shruti"/>
-        <a:font script="Khmr" typeface="MoolBoran"/>
-        <a:font script="Knda" typeface="Tunga"/>
-        <a:font script="Guru" typeface="Raavi"/>
-        <a:font script="Cans" typeface="Euphemia"/>
-        <a:font script="Cher" typeface="Plantagenet Cherokee"/>
-        <a:font script="Yiii" typeface="Microsoft Yi Baiti"/>
-        <a:font script="Tibt" typeface="Microsoft Himalaya"/>
-        <a:font script="Thaa" typeface="MV Boli"/>
-        <a:font script="Deva" typeface="Mangal"/>
-        <a:font script="Telu" typeface="Gautami"/>
-        <a:font script="Taml" typeface="Latha"/>
-        <a:font script="Syrc" typeface="Estrangelo Edessa"/>
-        <a:font script="Orya" typeface="Kalinga"/>
-        <a:font script="Mlym" typeface="Kartika"/>
-        <a:font script="Laoo" typeface="DokChampa"/>
-        <a:font script="Sinh" typeface="Iskoola Pota"/>
-        <a:font script="Mong" typeface="Mongolian Baiti"/>
-        <a:font script="Viet" typeface="Times New Roman"/>
-        <a:font script="Uigh" typeface="Microsoft Uighur"/>
-        <a:font script="Geor" typeface="Sylfaen"/>
-        <a:font script="Armn" typeface="Arial"/>
-        <a:font script="Bugi" typeface="Leelawadee UI"/>
-        <a:font script="Bopo" typeface="Microsoft JhengHei"/>
-        <a:font script="Java" typeface="Javanese Text"/>
-        <a:font script="Lisu" typeface="Segoe UI"/>
-        <a:font script="Mymr" typeface="Myanmar Text"/>
-        <a:font script="Nkoo" typeface="Ebrima"/>
-        <a:font script="Olck" typeface="Nirmala UI"/>
-        <a:font script="Osma" typeface="Ebrima"/>
-        <a:font script="Phag" typeface="Phagspa"/>
-        <a:font script="Syrn" typeface="Estrangelo Edessa"/>
-        <a:font script="Syrj" typeface="Estrangelo Edessa"/>
-        <a:font script="Syre" typeface="Estrangelo Edessa"/>
-        <a:font script="Sora" typeface="Nirmala UI"/>
-        <a:font script="Tale" typeface="Microsoft Tai Le"/>
-        <a:font script="Talu" typeface="Microsoft New Tai Lue"/>
-        <a:font script="Tfng" typeface="Ebrima"/>
       </a:majorFont>
       <a:minorFont>
-        <a:latin typeface="等线" panose="020F0502020204030204"/>
-        <a:ea typeface=""/>
+        <a:latin typeface="等线"/>
+        <a:ea typeface="等线"/>
         <a:cs typeface=""/>
-        <a:font script="Jpan" typeface="游ゴシック"/>
-        <a:font script="Hang" typeface="맑은 고딕"/>
-        <a:font script="Hans" typeface="等线"/>
-        <a:font script="Hant" typeface="新細明體"/>
-        <a:font script="Arab" typeface="Arial"/>
-        <a:font script="Hebr" typeface="Arial"/>
-        <a:font script="Thai" typeface="Cordia New"/>
-        <a:font script="Ethi" typeface="Nyala"/>
-        <a:font script="Beng" typeface="Vrinda"/>
-        <a:font script="Gujr" typeface="Shruti"/>
-        <a:font script="Khmr" typeface="DaunPenh"/>
-        <a:font script="Knda" typeface="Tunga"/>
-        <a:font script="Guru" typeface="Raavi"/>
-        <a:font script="Cans" typeface="Euphemia"/>
-        <a:font script="Cher" typeface="Plantagenet Cherokee"/>
-        <a:font script="Yiii" typeface="Microsoft Yi Baiti"/>
-        <a:font script="Tibt" typeface="Microsoft Himalaya"/>
-        <a:font script="Thaa" typeface="MV Boli"/>
-        <a:font script="Deva" typeface="Mangal"/>
-        <a:font script="Telu" typeface="Gautami"/>
-        <a:font script="Taml" typeface="Latha"/>
-        <a:font script="Syrc" typeface="Estrangelo Edessa"/>
-        <a:font script="Orya" typeface="Kalinga"/>
-        <a:font script="Mlym" typeface="Kartika"/>
-        <a:font script="Laoo" typeface="DokChampa"/>
-        <a:font script="Sinh" typeface="Iskoola Pota"/>
-        <a:font script="Mong" typeface="Mongolian Baiti"/>
-        <a:font script="Viet" typeface="Arial"/>
-        <a:font script="Uigh" typeface="Microsoft Uighur"/>
-        <a:font script="Geor" typeface="Sylfaen"/>
-        <a:font script="Armn" typeface="Arial"/>
-        <a:font script="Bugi" typeface="Leelawadee UI"/>
-        <a:font script="Bopo" typeface="Microsoft JhengHei"/>
-        <a:font script="Java" typeface="Javanese Text"/>
-        <a:font script="Lisu" typeface="Segoe UI"/>
-        <a:font script="Mymr" typeface="Myanmar Text"/>
-        <a:font script="Nkoo" typeface="Ebrima"/>
-        <a:font script="Olck" typeface="Nirmala UI"/>
-        <a:font script="Osma" typeface="Ebrima"/>
-        <a:font script="Phag" typeface="Phagspa"/>
-        <a:font script="Syrn" typeface="Estrangelo Edessa"/>
-        <a:font script="Syrj" typeface="Estrangelo Edessa"/>
-        <a:font script="Syre" typeface="Estrangelo Edessa"/>
-        <a:font script="Sora" typeface="Nirmala UI"/>
-        <a:font script="Tale" typeface="Microsoft Tai Le"/>
-        <a:font script="Talu" typeface="Microsoft New Tai Lue"/>
-        <a:font script="Tfng" typeface="Ebrima"/>
       </a:minorFont>
     </a:fontScheme>
     <a:fmtScheme name="Office">

--- a/materials/slides/ch14-wcms-admin-and-user.pptx
+++ b/materials/slides/ch14-wcms-admin-and-user.pptx
@@ -5,10 +5,10 @@
     <p:sldMasterId id="2147483648" r:id="rId1"/>
   </p:sldMasterIdLst>
   <p:notesMasterIdLst>
-    <p:notesMasterId r:id="rId9"/>
+    <p:notesMasterId r:id="rId10"/>
   </p:notesMasterIdLst>
   <p:handoutMasterIdLst>
-    <p:handoutMasterId r:id="rId10"/>
+    <p:handoutMasterId r:id="rId11"/>
   </p:handoutMasterIdLst>
   <p:sldIdLst>
     <p:sldId id="257" r:id="rId2"/>
@@ -18,6 +18,7 @@
     <p:sldId id="300" r:id="rId6"/>
     <p:sldId id="299" r:id="rId7"/>
     <p:sldId id="294" r:id="rId8"/>
+    <p:sldId id="301" r:id="rId9"/>
   </p:sldIdLst>
   <p:sldSz cx="12192000" cy="6858000"/>
   <p:notesSz cx="6858000" cy="9144000"/>
@@ -1165,6 +1166,90 @@
     <p:extLst>
       <p:ext uri="{BB962C8B-B14F-4D97-AF65-F5344CB8AC3E}">
         <p14:creationId xmlns:p14="http://schemas.microsoft.com/office/powerpoint/2010/main" val="3820153201"/>
+      </p:ext>
+    </p:extLst>
+  </p:cSld>
+  <p:clrMapOvr>
+    <a:masterClrMapping/>
+  </p:clrMapOvr>
+</p:notes>
+</file>
+
+<file path=ppt/notesSlides/notesSlide7.xml><?xml version="1.0" encoding="utf-8"?>
+<p:notes xmlns:a="http://schemas.openxmlformats.org/drawingml/2006/main" xmlns:r="http://schemas.openxmlformats.org/officeDocument/2006/relationships" xmlns:p="http://schemas.openxmlformats.org/presentationml/2006/main">
+  <p:cSld>
+    <p:spTree>
+      <p:nvGrpSpPr>
+        <p:cNvPr id="1" name=""/>
+        <p:cNvGrpSpPr/>
+        <p:nvPr/>
+      </p:nvGrpSpPr>
+      <p:grpSpPr>
+        <a:xfrm>
+          <a:off x="0" y="0"/>
+          <a:ext cx="0" cy="0"/>
+          <a:chOff x="0" y="0"/>
+          <a:chExt cx="0" cy="0"/>
+        </a:xfrm>
+      </p:grpSpPr>
+      <p:sp>
+        <p:nvSpPr>
+          <p:cNvPr id="2" name="幻灯片图像占位符 1"/>
+          <p:cNvSpPr>
+            <a:spLocks noGrp="1" noRot="1" noChangeAspect="1"/>
+          </p:cNvSpPr>
+          <p:nvPr>
+            <p:ph type="sldImg"/>
+          </p:nvPr>
+        </p:nvSpPr>
+        <p:spPr/>
+      </p:sp>
+      <p:sp>
+        <p:nvSpPr>
+          <p:cNvPr id="3" name="备注占位符 2"/>
+          <p:cNvSpPr>
+            <a:spLocks noGrp="1"/>
+          </p:cNvSpPr>
+          <p:nvPr>
+            <p:ph type="body" idx="1"/>
+          </p:nvPr>
+        </p:nvSpPr>
+        <p:spPr/>
+        <p:txBody>
+          <a:bodyPr/>
+          <a:lstStyle/>
+          <a:p>
+            <a:endParaRPr lang="zh-CN" altLang="en-US" dirty="0"/>
+          </a:p>
+        </p:txBody>
+      </p:sp>
+      <p:sp>
+        <p:nvSpPr>
+          <p:cNvPr id="4" name="灯片编号占位符 3"/>
+          <p:cNvSpPr>
+            <a:spLocks noGrp="1"/>
+          </p:cNvSpPr>
+          <p:nvPr>
+            <p:ph type="sldNum" sz="quarter" idx="10"/>
+          </p:nvPr>
+        </p:nvSpPr>
+        <p:spPr/>
+        <p:txBody>
+          <a:bodyPr/>
+          <a:lstStyle/>
+          <a:p>
+            <a:fld id="{9FB975F3-1C40-4D40-A7FE-36EEB7CAFC85}" type="slidenum">
+              <a:rPr lang="zh-CN" altLang="en-US" smtClean="0"/>
+              <a:t>8</a:t>
+            </a:fld>
+            <a:endParaRPr lang="zh-CN" altLang="en-US"/>
+          </a:p>
+        </p:txBody>
+      </p:sp>
+    </p:spTree>
+    <p:extLst>
+      <p:ext uri="{BB962C8B-B14F-4D97-AF65-F5344CB8AC3E}">
+        <p14:creationId xmlns:p14="http://schemas.microsoft.com/office/powerpoint/2010/main" val="1203865010"/>
       </p:ext>
     </p:extLst>
   </p:cSld>
@@ -5824,6 +5909,146 @@
     <p:extLst>
       <p:ext uri="{BB962C8B-B14F-4D97-AF65-F5344CB8AC3E}">
         <p14:creationId xmlns:p14="http://schemas.microsoft.com/office/powerpoint/2010/main" val="1018546089"/>
+      </p:ext>
+    </p:extLst>
+  </p:cSld>
+  <p:clrMapOvr>
+    <a:masterClrMapping/>
+  </p:clrMapOvr>
+</p:sld>
+</file>
+
+<file path=ppt/slides/slide8.xml><?xml version="1.0" encoding="utf-8"?>
+<p:sld xmlns:a="http://schemas.openxmlformats.org/drawingml/2006/main" xmlns:r="http://schemas.openxmlformats.org/officeDocument/2006/relationships" xmlns:p="http://schemas.openxmlformats.org/presentationml/2006/main">
+  <p:cSld>
+    <p:spTree>
+      <p:nvGrpSpPr>
+        <p:cNvPr id="1" name=""/>
+        <p:cNvGrpSpPr/>
+        <p:nvPr/>
+      </p:nvGrpSpPr>
+      <p:grpSpPr>
+        <a:xfrm>
+          <a:off x="0" y="0"/>
+          <a:ext cx="0" cy="0"/>
+          <a:chOff x="0" y="0"/>
+          <a:chExt cx="0" cy="0"/>
+        </a:xfrm>
+      </p:grpSpPr>
+      <p:sp>
+        <p:nvSpPr>
+          <p:cNvPr id="4" name="标题 3">
+            <a:extLst>
+              <a:ext uri="{FF2B5EF4-FFF2-40B4-BE49-F238E27FC236}">
+                <a16:creationId xmlns:a16="http://schemas.microsoft.com/office/drawing/2014/main" id="{2729939D-814A-4BD2-9922-3F8EA865938B}"/>
+              </a:ext>
+            </a:extLst>
+          </p:cNvPr>
+          <p:cNvSpPr>
+            <a:spLocks noGrp="1"/>
+          </p:cNvSpPr>
+          <p:nvPr>
+            <p:ph type="title"/>
+          </p:nvPr>
+        </p:nvSpPr>
+        <p:spPr>
+          <a:xfrm>
+            <a:off x="838200" y="683581"/>
+            <a:ext cx="10515600" cy="736846"/>
+          </a:xfrm>
+        </p:spPr>
+        <p:txBody>
+          <a:bodyPr>
+            <a:normAutofit/>
+          </a:bodyPr>
+          <a:lstStyle/>
+          <a:p>
+            <a:r>
+              <a:rPr lang="zh-CN" altLang="en-US"/>
+              <a:t>管理员登录过程</a:t>
+            </a:r>
+            <a:endParaRPr lang="zh-CN" altLang="en-US" dirty="0"/>
+          </a:p>
+        </p:txBody>
+      </p:sp>
+      <p:sp>
+        <p:nvSpPr>
+          <p:cNvPr id="6" name="内容占位符 5">
+            <a:extLst>
+              <a:ext uri="{FF2B5EF4-FFF2-40B4-BE49-F238E27FC236}">
+                <a16:creationId xmlns:a16="http://schemas.microsoft.com/office/drawing/2014/main" id="{B83E9AD4-C606-4679-B884-01F71CC97E44}"/>
+              </a:ext>
+            </a:extLst>
+          </p:cNvPr>
+          <p:cNvSpPr>
+            <a:spLocks noGrp="1"/>
+          </p:cNvSpPr>
+          <p:nvPr>
+            <p:ph idx="1"/>
+          </p:nvPr>
+        </p:nvSpPr>
+        <p:spPr>
+          <a:xfrm>
+            <a:off x="838200" y="1656500"/>
+            <a:ext cx="10515600" cy="4850832"/>
+          </a:xfrm>
+        </p:spPr>
+        <p:txBody>
+          <a:bodyPr>
+            <a:normAutofit/>
+          </a:bodyPr>
+          <a:lstStyle/>
+          <a:p>
+            <a:r>
+              <a:rPr lang="zh-CN" altLang="en-US" sz="2400"/>
+              <a:t>管理员采用不同的表，但逻辑一致，</a:t>
+            </a:r>
+            <a:r>
+              <a:rPr lang="en-US" altLang="zh-CN" sz="2400"/>
+              <a:t>model</a:t>
+            </a:r>
+            <a:r>
+              <a:rPr lang="zh-CN" altLang="en-US" sz="2400"/>
+              <a:t>层接口也在</a:t>
+            </a:r>
+            <a:r>
+              <a:rPr lang="en-US" altLang="zh-CN" sz="2400"/>
+              <a:t>model/user.php</a:t>
+            </a:r>
+            <a:r>
+              <a:rPr lang="zh-CN" altLang="en-US" sz="2400"/>
+              <a:t>中实现。</a:t>
+            </a:r>
+            <a:endParaRPr lang="en-US" altLang="zh-CN" sz="2400" dirty="0"/>
+          </a:p>
+          <a:p>
+            <a:endParaRPr lang="en-US" altLang="zh-CN" sz="2400"/>
+          </a:p>
+          <a:p>
+            <a:r>
+              <a:rPr lang="zh-CN" altLang="en-US" sz="2400"/>
+              <a:t>管理员账号只能分配，不能注册。</a:t>
+            </a:r>
+            <a:endParaRPr lang="en-US" altLang="zh-CN" sz="2400" dirty="0"/>
+          </a:p>
+          <a:p>
+            <a:endParaRPr lang="en-US" altLang="zh-CN" sz="2000" dirty="0"/>
+          </a:p>
+          <a:p>
+            <a:pPr marL="0" indent="0">
+              <a:buNone/>
+            </a:pPr>
+            <a:endParaRPr lang="en-US" altLang="zh-CN" sz="2000" dirty="0"/>
+          </a:p>
+          <a:p>
+            <a:endParaRPr lang="en-US" altLang="zh-CN" sz="2000" dirty="0"/>
+          </a:p>
+        </p:txBody>
+      </p:sp>
+    </p:spTree>
+    <p:extLst>
+      <p:ext uri="{BB962C8B-B14F-4D97-AF65-F5344CB8AC3E}">
+        <p14:creationId xmlns:p14="http://schemas.microsoft.com/office/powerpoint/2010/main" val="2555246711"/>
       </p:ext>
     </p:extLst>
   </p:cSld>
